--- a/001.pptx
+++ b/001.pptx
@@ -7,15 +7,16 @@
   </p:sldMasterIdLst>
   <p:sldIdLst>
     <p:sldId id="261" r:id="rId3"/>
-    <p:sldId id="263" r:id="rId4"/>
-    <p:sldId id="264" r:id="rId5"/>
+    <p:sldId id="264" r:id="rId4"/>
+    <p:sldId id="263" r:id="rId5"/>
     <p:sldId id="262" r:id="rId6"/>
     <p:sldId id="257" r:id="rId7"/>
-    <p:sldId id="256" r:id="rId8"/>
-    <p:sldId id="258" r:id="rId9"/>
-    <p:sldId id="259" r:id="rId10"/>
-    <p:sldId id="260" r:id="rId11"/>
-    <p:sldId id="265" r:id="rId12"/>
+    <p:sldId id="266" r:id="rId8"/>
+    <p:sldId id="256" r:id="rId9"/>
+    <p:sldId id="267" r:id="rId10"/>
+    <p:sldId id="258" r:id="rId11"/>
+    <p:sldId id="259" r:id="rId12"/>
+    <p:sldId id="260" r:id="rId13"/>
   </p:sldIdLst>
   <p:sldSz cx="9144000" cy="6858000" type="screen4x3"/>
   <p:notesSz cx="6858000" cy="9144000"/>
@@ -114,6 +115,22 @@
       </a:defRPr>
     </a:lvl9pPr>
   </p:defaultTextStyle>
+  <p:extLst>
+    <p:ext uri="{EFAFB233-063F-42B5-8137-9DF3F51BA10A}">
+      <p15:sldGuideLst xmlns:p15="http://schemas.microsoft.com/office/powerpoint/2012/main">
+        <p15:guide id="1" orient="horz" pos="2160">
+          <p15:clr>
+            <a:srgbClr val="A4A3A4"/>
+          </p15:clr>
+        </p15:guide>
+        <p15:guide id="2" pos="2880">
+          <p15:clr>
+            <a:srgbClr val="A4A3A4"/>
+          </p15:clr>
+        </p15:guide>
+      </p15:sldGuideLst>
+    </p:ext>
+  </p:extLst>
 </p:presentation>
 </file>
 
@@ -232,7 +249,7 @@
           </a:lstStyle>
           <a:p>
             <a:r>
-              <a:rPr kumimoji="0" lang="zh-TW" altLang="en-US" smtClean="0"/>
+              <a:rPr kumimoji="0" lang="zh-TW" altLang="en-US"/>
               <a:t>按一下以編輯母片標題樣式</a:t>
             </a:r>
             <a:endParaRPr kumimoji="0" lang="en-US"/>
@@ -303,7 +320,7 @@
           </a:lstStyle>
           <a:p>
             <a:r>
-              <a:rPr kumimoji="0" lang="zh-TW" altLang="en-US" smtClean="0"/>
+              <a:rPr kumimoji="0" lang="zh-TW" altLang="en-US"/>
               <a:t>按一下以編輯母片副標題樣式</a:t>
             </a:r>
             <a:endParaRPr kumimoji="0" lang="en-US"/>
@@ -336,7 +353,7 @@
           <a:p>
             <a:fld id="{DC81E784-669A-440B-8BB6-11A753C9AD45}" type="datetimeFigureOut">
               <a:rPr lang="zh-TW" altLang="en-US" smtClean="0"/>
-              <a:t>2016/12/22</a:t>
+              <a:t>2016-12-26</a:t>
             </a:fld>
             <a:endParaRPr lang="zh-TW" altLang="en-US"/>
           </a:p>
@@ -447,7 +464,7 @@
           <a:lstStyle/>
           <a:p>
             <a:r>
-              <a:rPr kumimoji="0" lang="zh-TW" altLang="en-US" smtClean="0"/>
+              <a:rPr kumimoji="0" lang="zh-TW" altLang="en-US"/>
               <a:t>按一下以編輯母片標題樣式</a:t>
             </a:r>
             <a:endParaRPr kumimoji="0" lang="en-US"/>
@@ -471,35 +488,35 @@
           <a:p>
             <a:pPr lvl="0" eaLnBrk="1" latinLnBrk="0" hangingPunct="1"/>
             <a:r>
-              <a:rPr lang="zh-TW" altLang="en-US" smtClean="0"/>
+              <a:rPr lang="zh-TW" altLang="en-US"/>
               <a:t>按一下以編輯母片文字樣式</a:t>
             </a:r>
           </a:p>
           <a:p>
             <a:pPr lvl="1" eaLnBrk="1" latinLnBrk="0" hangingPunct="1"/>
             <a:r>
-              <a:rPr lang="zh-TW" altLang="en-US" smtClean="0"/>
+              <a:rPr lang="zh-TW" altLang="en-US"/>
               <a:t>第二層</a:t>
             </a:r>
           </a:p>
           <a:p>
             <a:pPr lvl="2" eaLnBrk="1" latinLnBrk="0" hangingPunct="1"/>
             <a:r>
-              <a:rPr lang="zh-TW" altLang="en-US" smtClean="0"/>
+              <a:rPr lang="zh-TW" altLang="en-US"/>
               <a:t>第三層</a:t>
             </a:r>
           </a:p>
           <a:p>
             <a:pPr lvl="3" eaLnBrk="1" latinLnBrk="0" hangingPunct="1"/>
             <a:r>
-              <a:rPr lang="zh-TW" altLang="en-US" smtClean="0"/>
+              <a:rPr lang="zh-TW" altLang="en-US"/>
               <a:t>第四層</a:t>
             </a:r>
           </a:p>
           <a:p>
             <a:pPr lvl="4" eaLnBrk="1" latinLnBrk="0" hangingPunct="1"/>
             <a:r>
-              <a:rPr lang="zh-TW" altLang="en-US" smtClean="0"/>
+              <a:rPr lang="zh-TW" altLang="en-US"/>
               <a:t>第五層</a:t>
             </a:r>
             <a:endParaRPr kumimoji="0" lang="en-US"/>
@@ -523,7 +540,7 @@
           <a:p>
             <a:fld id="{DC81E784-669A-440B-8BB6-11A753C9AD45}" type="datetimeFigureOut">
               <a:rPr lang="zh-TW" altLang="en-US" smtClean="0"/>
-              <a:t>2016/12/22</a:t>
+              <a:t>2016-12-26</a:t>
             </a:fld>
             <a:endParaRPr lang="zh-TW" altLang="en-US"/>
           </a:p>
@@ -617,7 +634,7 @@
           <a:lstStyle/>
           <a:p>
             <a:r>
-              <a:rPr kumimoji="0" lang="zh-TW" altLang="en-US" smtClean="0"/>
+              <a:rPr kumimoji="0" lang="zh-TW" altLang="en-US"/>
               <a:t>按一下以編輯母片標題樣式</a:t>
             </a:r>
             <a:endParaRPr kumimoji="0" lang="en-US"/>
@@ -646,35 +663,35 @@
           <a:p>
             <a:pPr lvl="0" eaLnBrk="1" latinLnBrk="0" hangingPunct="1"/>
             <a:r>
-              <a:rPr lang="zh-TW" altLang="en-US" smtClean="0"/>
+              <a:rPr lang="zh-TW" altLang="en-US"/>
               <a:t>按一下以編輯母片文字樣式</a:t>
             </a:r>
           </a:p>
           <a:p>
             <a:pPr lvl="1" eaLnBrk="1" latinLnBrk="0" hangingPunct="1"/>
             <a:r>
-              <a:rPr lang="zh-TW" altLang="en-US" smtClean="0"/>
+              <a:rPr lang="zh-TW" altLang="en-US"/>
               <a:t>第二層</a:t>
             </a:r>
           </a:p>
           <a:p>
             <a:pPr lvl="2" eaLnBrk="1" latinLnBrk="0" hangingPunct="1"/>
             <a:r>
-              <a:rPr lang="zh-TW" altLang="en-US" smtClean="0"/>
+              <a:rPr lang="zh-TW" altLang="en-US"/>
               <a:t>第三層</a:t>
             </a:r>
           </a:p>
           <a:p>
             <a:pPr lvl="3" eaLnBrk="1" latinLnBrk="0" hangingPunct="1"/>
             <a:r>
-              <a:rPr lang="zh-TW" altLang="en-US" smtClean="0"/>
+              <a:rPr lang="zh-TW" altLang="en-US"/>
               <a:t>第四層</a:t>
             </a:r>
           </a:p>
           <a:p>
             <a:pPr lvl="4" eaLnBrk="1" latinLnBrk="0" hangingPunct="1"/>
             <a:r>
-              <a:rPr lang="zh-TW" altLang="en-US" smtClean="0"/>
+              <a:rPr lang="zh-TW" altLang="en-US"/>
               <a:t>第五層</a:t>
             </a:r>
             <a:endParaRPr kumimoji="0" lang="en-US"/>
@@ -698,7 +715,7 @@
           <a:p>
             <a:fld id="{DC81E784-669A-440B-8BB6-11A753C9AD45}" type="datetimeFigureOut">
               <a:rPr lang="zh-TW" altLang="en-US" smtClean="0"/>
-              <a:t>2016/12/22</a:t>
+              <a:t>2016-12-26</a:t>
             </a:fld>
             <a:endParaRPr lang="zh-TW" altLang="en-US"/>
           </a:p>
@@ -792,10 +809,9 @@
           <a:lstStyle/>
           <a:p>
             <a:r>
-              <a:rPr lang="zh-TW" altLang="en-US" smtClean="0"/>
+              <a:rPr lang="zh-TW" altLang="en-US"/>
               <a:t>按一下以編輯母片標題樣式</a:t>
             </a:r>
-            <a:endParaRPr lang="zh-TW" altLang="en-US"/>
           </a:p>
         </p:txBody>
       </p:sp>
@@ -911,10 +927,9 @@
           </a:lstStyle>
           <a:p>
             <a:r>
-              <a:rPr lang="zh-TW" altLang="en-US" smtClean="0"/>
+              <a:rPr lang="zh-TW" altLang="en-US"/>
               <a:t>按一下以編輯母片副標題樣式</a:t>
             </a:r>
-            <a:endParaRPr lang="zh-TW" altLang="en-US"/>
           </a:p>
         </p:txBody>
       </p:sp>
@@ -935,7 +950,7 @@
           <a:p>
             <a:fld id="{DC81E784-669A-440B-8BB6-11A753C9AD45}" type="datetimeFigureOut">
               <a:rPr lang="zh-TW" altLang="en-US" smtClean="0"/>
-              <a:t>2016/12/22</a:t>
+              <a:t>2016-12-26</a:t>
             </a:fld>
             <a:endParaRPr lang="zh-TW" altLang="en-US"/>
           </a:p>
@@ -1024,10 +1039,9 @@
           <a:lstStyle/>
           <a:p>
             <a:r>
-              <a:rPr lang="zh-TW" altLang="en-US" smtClean="0"/>
+              <a:rPr lang="zh-TW" altLang="en-US"/>
               <a:t>按一下以編輯母片標題樣式</a:t>
             </a:r>
-            <a:endParaRPr lang="zh-TW" altLang="en-US"/>
           </a:p>
         </p:txBody>
       </p:sp>
@@ -1048,38 +1062,37 @@
           <a:p>
             <a:pPr lvl="0"/>
             <a:r>
-              <a:rPr lang="zh-TW" altLang="en-US" smtClean="0"/>
+              <a:rPr lang="zh-TW" altLang="en-US"/>
               <a:t>按一下以編輯母片文字樣式</a:t>
             </a:r>
           </a:p>
           <a:p>
             <a:pPr lvl="1"/>
             <a:r>
-              <a:rPr lang="zh-TW" altLang="en-US" smtClean="0"/>
+              <a:rPr lang="zh-TW" altLang="en-US"/>
               <a:t>第二層</a:t>
             </a:r>
           </a:p>
           <a:p>
             <a:pPr lvl="2"/>
             <a:r>
-              <a:rPr lang="zh-TW" altLang="en-US" smtClean="0"/>
+              <a:rPr lang="zh-TW" altLang="en-US"/>
               <a:t>第三層</a:t>
             </a:r>
           </a:p>
           <a:p>
             <a:pPr lvl="3"/>
             <a:r>
-              <a:rPr lang="zh-TW" altLang="en-US" smtClean="0"/>
+              <a:rPr lang="zh-TW" altLang="en-US"/>
               <a:t>第四層</a:t>
             </a:r>
           </a:p>
           <a:p>
             <a:pPr lvl="4"/>
             <a:r>
-              <a:rPr lang="zh-TW" altLang="en-US" smtClean="0"/>
+              <a:rPr lang="zh-TW" altLang="en-US"/>
               <a:t>第五層</a:t>
             </a:r>
-            <a:endParaRPr lang="zh-TW" altLang="en-US"/>
           </a:p>
         </p:txBody>
       </p:sp>
@@ -1100,7 +1113,7 @@
           <a:p>
             <a:fld id="{DC81E784-669A-440B-8BB6-11A753C9AD45}" type="datetimeFigureOut">
               <a:rPr lang="zh-TW" altLang="en-US" smtClean="0"/>
-              <a:t>2016/12/22</a:t>
+              <a:t>2016-12-26</a:t>
             </a:fld>
             <a:endParaRPr lang="zh-TW" altLang="en-US"/>
           </a:p>
@@ -1198,10 +1211,9 @@
           </a:lstStyle>
           <a:p>
             <a:r>
-              <a:rPr lang="zh-TW" altLang="en-US" smtClean="0"/>
+              <a:rPr lang="zh-TW" altLang="en-US"/>
               <a:t>按一下以編輯母片標題樣式</a:t>
             </a:r>
-            <a:endParaRPr lang="zh-TW" altLang="en-US"/>
           </a:p>
         </p:txBody>
       </p:sp>
@@ -1318,7 +1330,7 @@
           <a:p>
             <a:pPr lvl="0"/>
             <a:r>
-              <a:rPr lang="zh-TW" altLang="en-US" smtClean="0"/>
+              <a:rPr lang="zh-TW" altLang="en-US"/>
               <a:t>按一下以編輯母片文字樣式</a:t>
             </a:r>
           </a:p>
@@ -1341,7 +1353,7 @@
           <a:p>
             <a:fld id="{DC81E784-669A-440B-8BB6-11A753C9AD45}" type="datetimeFigureOut">
               <a:rPr lang="zh-TW" altLang="en-US" smtClean="0"/>
-              <a:t>2016/12/22</a:t>
+              <a:t>2016-12-26</a:t>
             </a:fld>
             <a:endParaRPr lang="zh-TW" altLang="en-US"/>
           </a:p>
@@ -1430,10 +1442,9 @@
           <a:lstStyle/>
           <a:p>
             <a:r>
-              <a:rPr lang="zh-TW" altLang="en-US" smtClean="0"/>
+              <a:rPr lang="zh-TW" altLang="en-US"/>
               <a:t>按一下以編輯母片標題樣式</a:t>
             </a:r>
-            <a:endParaRPr lang="zh-TW" altLang="en-US"/>
           </a:p>
         </p:txBody>
       </p:sp>
@@ -1487,38 +1498,37 @@
           <a:p>
             <a:pPr lvl="0"/>
             <a:r>
-              <a:rPr lang="zh-TW" altLang="en-US" smtClean="0"/>
+              <a:rPr lang="zh-TW" altLang="en-US"/>
               <a:t>按一下以編輯母片文字樣式</a:t>
             </a:r>
           </a:p>
           <a:p>
             <a:pPr lvl="1"/>
             <a:r>
-              <a:rPr lang="zh-TW" altLang="en-US" smtClean="0"/>
+              <a:rPr lang="zh-TW" altLang="en-US"/>
               <a:t>第二層</a:t>
             </a:r>
           </a:p>
           <a:p>
             <a:pPr lvl="2"/>
             <a:r>
-              <a:rPr lang="zh-TW" altLang="en-US" smtClean="0"/>
+              <a:rPr lang="zh-TW" altLang="en-US"/>
               <a:t>第三層</a:t>
             </a:r>
           </a:p>
           <a:p>
             <a:pPr lvl="3"/>
             <a:r>
-              <a:rPr lang="zh-TW" altLang="en-US" smtClean="0"/>
+              <a:rPr lang="zh-TW" altLang="en-US"/>
               <a:t>第四層</a:t>
             </a:r>
           </a:p>
           <a:p>
             <a:pPr lvl="4"/>
             <a:r>
-              <a:rPr lang="zh-TW" altLang="en-US" smtClean="0"/>
+              <a:rPr lang="zh-TW" altLang="en-US"/>
               <a:t>第五層</a:t>
             </a:r>
-            <a:endParaRPr lang="zh-TW" altLang="en-US"/>
           </a:p>
         </p:txBody>
       </p:sp>
@@ -1572,38 +1582,37 @@
           <a:p>
             <a:pPr lvl="0"/>
             <a:r>
-              <a:rPr lang="zh-TW" altLang="en-US" smtClean="0"/>
+              <a:rPr lang="zh-TW" altLang="en-US"/>
               <a:t>按一下以編輯母片文字樣式</a:t>
             </a:r>
           </a:p>
           <a:p>
             <a:pPr lvl="1"/>
             <a:r>
-              <a:rPr lang="zh-TW" altLang="en-US" smtClean="0"/>
+              <a:rPr lang="zh-TW" altLang="en-US"/>
               <a:t>第二層</a:t>
             </a:r>
           </a:p>
           <a:p>
             <a:pPr lvl="2"/>
             <a:r>
-              <a:rPr lang="zh-TW" altLang="en-US" smtClean="0"/>
+              <a:rPr lang="zh-TW" altLang="en-US"/>
               <a:t>第三層</a:t>
             </a:r>
           </a:p>
           <a:p>
             <a:pPr lvl="3"/>
             <a:r>
-              <a:rPr lang="zh-TW" altLang="en-US" smtClean="0"/>
+              <a:rPr lang="zh-TW" altLang="en-US"/>
               <a:t>第四層</a:t>
             </a:r>
           </a:p>
           <a:p>
             <a:pPr lvl="4"/>
             <a:r>
-              <a:rPr lang="zh-TW" altLang="en-US" smtClean="0"/>
+              <a:rPr lang="zh-TW" altLang="en-US"/>
               <a:t>第五層</a:t>
             </a:r>
-            <a:endParaRPr lang="zh-TW" altLang="en-US"/>
           </a:p>
         </p:txBody>
       </p:sp>
@@ -1624,7 +1633,7 @@
           <a:p>
             <a:fld id="{DC81E784-669A-440B-8BB6-11A753C9AD45}" type="datetimeFigureOut">
               <a:rPr lang="zh-TW" altLang="en-US" smtClean="0"/>
-              <a:t>2016/12/22</a:t>
+              <a:t>2016-12-26</a:t>
             </a:fld>
             <a:endParaRPr lang="zh-TW" altLang="en-US"/>
           </a:p>
@@ -1717,10 +1726,9 @@
           </a:lstStyle>
           <a:p>
             <a:r>
-              <a:rPr lang="zh-TW" altLang="en-US" smtClean="0"/>
+              <a:rPr lang="zh-TW" altLang="en-US"/>
               <a:t>按一下以編輯母片標題樣式</a:t>
             </a:r>
-            <a:endParaRPr lang="zh-TW" altLang="en-US"/>
           </a:p>
         </p:txBody>
       </p:sp>
@@ -1783,7 +1791,7 @@
           <a:p>
             <a:pPr lvl="0"/>
             <a:r>
-              <a:rPr lang="zh-TW" altLang="en-US" smtClean="0"/>
+              <a:rPr lang="zh-TW" altLang="en-US"/>
               <a:t>按一下以編輯母片文字樣式</a:t>
             </a:r>
           </a:p>
@@ -1839,38 +1847,37 @@
           <a:p>
             <a:pPr lvl="0"/>
             <a:r>
-              <a:rPr lang="zh-TW" altLang="en-US" smtClean="0"/>
+              <a:rPr lang="zh-TW" altLang="en-US"/>
               <a:t>按一下以編輯母片文字樣式</a:t>
             </a:r>
           </a:p>
           <a:p>
             <a:pPr lvl="1"/>
             <a:r>
-              <a:rPr lang="zh-TW" altLang="en-US" smtClean="0"/>
+              <a:rPr lang="zh-TW" altLang="en-US"/>
               <a:t>第二層</a:t>
             </a:r>
           </a:p>
           <a:p>
             <a:pPr lvl="2"/>
             <a:r>
-              <a:rPr lang="zh-TW" altLang="en-US" smtClean="0"/>
+              <a:rPr lang="zh-TW" altLang="en-US"/>
               <a:t>第三層</a:t>
             </a:r>
           </a:p>
           <a:p>
             <a:pPr lvl="3"/>
             <a:r>
-              <a:rPr lang="zh-TW" altLang="en-US" smtClean="0"/>
+              <a:rPr lang="zh-TW" altLang="en-US"/>
               <a:t>第四層</a:t>
             </a:r>
           </a:p>
           <a:p>
             <a:pPr lvl="4"/>
             <a:r>
-              <a:rPr lang="zh-TW" altLang="en-US" smtClean="0"/>
+              <a:rPr lang="zh-TW" altLang="en-US"/>
               <a:t>第五層</a:t>
             </a:r>
-            <a:endParaRPr lang="zh-TW" altLang="en-US"/>
           </a:p>
         </p:txBody>
       </p:sp>
@@ -1933,7 +1940,7 @@
           <a:p>
             <a:pPr lvl="0"/>
             <a:r>
-              <a:rPr lang="zh-TW" altLang="en-US" smtClean="0"/>
+              <a:rPr lang="zh-TW" altLang="en-US"/>
               <a:t>按一下以編輯母片文字樣式</a:t>
             </a:r>
           </a:p>
@@ -1989,38 +1996,37 @@
           <a:p>
             <a:pPr lvl="0"/>
             <a:r>
-              <a:rPr lang="zh-TW" altLang="en-US" smtClean="0"/>
+              <a:rPr lang="zh-TW" altLang="en-US"/>
               <a:t>按一下以編輯母片文字樣式</a:t>
             </a:r>
           </a:p>
           <a:p>
             <a:pPr lvl="1"/>
             <a:r>
-              <a:rPr lang="zh-TW" altLang="en-US" smtClean="0"/>
+              <a:rPr lang="zh-TW" altLang="en-US"/>
               <a:t>第二層</a:t>
             </a:r>
           </a:p>
           <a:p>
             <a:pPr lvl="2"/>
             <a:r>
-              <a:rPr lang="zh-TW" altLang="en-US" smtClean="0"/>
+              <a:rPr lang="zh-TW" altLang="en-US"/>
               <a:t>第三層</a:t>
             </a:r>
           </a:p>
           <a:p>
             <a:pPr lvl="3"/>
             <a:r>
-              <a:rPr lang="zh-TW" altLang="en-US" smtClean="0"/>
+              <a:rPr lang="zh-TW" altLang="en-US"/>
               <a:t>第四層</a:t>
             </a:r>
           </a:p>
           <a:p>
             <a:pPr lvl="4"/>
             <a:r>
-              <a:rPr lang="zh-TW" altLang="en-US" smtClean="0"/>
+              <a:rPr lang="zh-TW" altLang="en-US"/>
               <a:t>第五層</a:t>
             </a:r>
-            <a:endParaRPr lang="zh-TW" altLang="en-US"/>
           </a:p>
         </p:txBody>
       </p:sp>
@@ -2041,7 +2047,7 @@
           <a:p>
             <a:fld id="{DC81E784-669A-440B-8BB6-11A753C9AD45}" type="datetimeFigureOut">
               <a:rPr lang="zh-TW" altLang="en-US" smtClean="0"/>
-              <a:t>2016/12/22</a:t>
+              <a:t>2016-12-26</a:t>
             </a:fld>
             <a:endParaRPr lang="zh-TW" altLang="en-US"/>
           </a:p>
@@ -2130,10 +2136,9 @@
           <a:lstStyle/>
           <a:p>
             <a:r>
-              <a:rPr lang="zh-TW" altLang="en-US" smtClean="0"/>
+              <a:rPr lang="zh-TW" altLang="en-US"/>
               <a:t>按一下以編輯母片標題樣式</a:t>
             </a:r>
-            <a:endParaRPr lang="zh-TW" altLang="en-US"/>
           </a:p>
         </p:txBody>
       </p:sp>
@@ -2154,7 +2159,7 @@
           <a:p>
             <a:fld id="{DC81E784-669A-440B-8BB6-11A753C9AD45}" type="datetimeFigureOut">
               <a:rPr lang="zh-TW" altLang="en-US" smtClean="0"/>
-              <a:t>2016/12/22</a:t>
+              <a:t>2016-12-26</a:t>
             </a:fld>
             <a:endParaRPr lang="zh-TW" altLang="en-US"/>
           </a:p>
@@ -2244,7 +2249,7 @@
           <a:p>
             <a:fld id="{DC81E784-669A-440B-8BB6-11A753C9AD45}" type="datetimeFigureOut">
               <a:rPr lang="zh-TW" altLang="en-US" smtClean="0"/>
-              <a:t>2016/12/22</a:t>
+              <a:t>2016-12-26</a:t>
             </a:fld>
             <a:endParaRPr lang="zh-TW" altLang="en-US"/>
           </a:p>
@@ -2342,10 +2347,9 @@
           </a:lstStyle>
           <a:p>
             <a:r>
-              <a:rPr lang="zh-TW" altLang="en-US" smtClean="0"/>
+              <a:rPr lang="zh-TW" altLang="en-US"/>
               <a:t>按一下以編輯母片標題樣式</a:t>
             </a:r>
-            <a:endParaRPr lang="zh-TW" altLang="en-US"/>
           </a:p>
         </p:txBody>
       </p:sp>
@@ -2399,38 +2403,37 @@
           <a:p>
             <a:pPr lvl="0"/>
             <a:r>
-              <a:rPr lang="zh-TW" altLang="en-US" smtClean="0"/>
+              <a:rPr lang="zh-TW" altLang="en-US"/>
               <a:t>按一下以編輯母片文字樣式</a:t>
             </a:r>
           </a:p>
           <a:p>
             <a:pPr lvl="1"/>
             <a:r>
-              <a:rPr lang="zh-TW" altLang="en-US" smtClean="0"/>
+              <a:rPr lang="zh-TW" altLang="en-US"/>
               <a:t>第二層</a:t>
             </a:r>
           </a:p>
           <a:p>
             <a:pPr lvl="2"/>
             <a:r>
-              <a:rPr lang="zh-TW" altLang="en-US" smtClean="0"/>
+              <a:rPr lang="zh-TW" altLang="en-US"/>
               <a:t>第三層</a:t>
             </a:r>
           </a:p>
           <a:p>
             <a:pPr lvl="3"/>
             <a:r>
-              <a:rPr lang="zh-TW" altLang="en-US" smtClean="0"/>
+              <a:rPr lang="zh-TW" altLang="en-US"/>
               <a:t>第四層</a:t>
             </a:r>
           </a:p>
           <a:p>
             <a:pPr lvl="4"/>
             <a:r>
-              <a:rPr lang="zh-TW" altLang="en-US" smtClean="0"/>
+              <a:rPr lang="zh-TW" altLang="en-US"/>
               <a:t>第五層</a:t>
             </a:r>
-            <a:endParaRPr lang="zh-TW" altLang="en-US"/>
           </a:p>
         </p:txBody>
       </p:sp>
@@ -2493,7 +2496,7 @@
           <a:p>
             <a:pPr lvl="0"/>
             <a:r>
-              <a:rPr lang="zh-TW" altLang="en-US" smtClean="0"/>
+              <a:rPr lang="zh-TW" altLang="en-US"/>
               <a:t>按一下以編輯母片文字樣式</a:t>
             </a:r>
           </a:p>
@@ -2516,7 +2519,7 @@
           <a:p>
             <a:fld id="{DC81E784-669A-440B-8BB6-11A753C9AD45}" type="datetimeFigureOut">
               <a:rPr lang="zh-TW" altLang="en-US" smtClean="0"/>
-              <a:t>2016/12/22</a:t>
+              <a:t>2016-12-26</a:t>
             </a:fld>
             <a:endParaRPr lang="zh-TW" altLang="en-US"/>
           </a:p>
@@ -2610,7 +2613,7 @@
           <a:lstStyle/>
           <a:p>
             <a:r>
-              <a:rPr kumimoji="0" lang="zh-TW" altLang="en-US" smtClean="0"/>
+              <a:rPr kumimoji="0" lang="zh-TW" altLang="en-US"/>
               <a:t>按一下以編輯母片標題樣式</a:t>
             </a:r>
             <a:endParaRPr kumimoji="0" lang="en-US"/>
@@ -2639,35 +2642,35 @@
           <a:p>
             <a:pPr lvl="0" eaLnBrk="1" latinLnBrk="0" hangingPunct="1"/>
             <a:r>
-              <a:rPr lang="zh-TW" altLang="en-US" smtClean="0"/>
+              <a:rPr lang="zh-TW" altLang="en-US"/>
               <a:t>按一下以編輯母片文字樣式</a:t>
             </a:r>
           </a:p>
           <a:p>
             <a:pPr lvl="1" eaLnBrk="1" latinLnBrk="0" hangingPunct="1"/>
             <a:r>
-              <a:rPr lang="zh-TW" altLang="en-US" smtClean="0"/>
+              <a:rPr lang="zh-TW" altLang="en-US"/>
               <a:t>第二層</a:t>
             </a:r>
           </a:p>
           <a:p>
             <a:pPr lvl="2" eaLnBrk="1" latinLnBrk="0" hangingPunct="1"/>
             <a:r>
-              <a:rPr lang="zh-TW" altLang="en-US" smtClean="0"/>
+              <a:rPr lang="zh-TW" altLang="en-US"/>
               <a:t>第三層</a:t>
             </a:r>
           </a:p>
           <a:p>
             <a:pPr lvl="3" eaLnBrk="1" latinLnBrk="0" hangingPunct="1"/>
             <a:r>
-              <a:rPr lang="zh-TW" altLang="en-US" smtClean="0"/>
+              <a:rPr lang="zh-TW" altLang="en-US"/>
               <a:t>第四層</a:t>
             </a:r>
           </a:p>
           <a:p>
             <a:pPr lvl="4" eaLnBrk="1" latinLnBrk="0" hangingPunct="1"/>
             <a:r>
-              <a:rPr lang="zh-TW" altLang="en-US" smtClean="0"/>
+              <a:rPr lang="zh-TW" altLang="en-US"/>
               <a:t>第五層</a:t>
             </a:r>
             <a:endParaRPr kumimoji="0" lang="en-US"/>
@@ -2696,7 +2699,7 @@
           <a:p>
             <a:fld id="{DC81E784-669A-440B-8BB6-11A753C9AD45}" type="datetimeFigureOut">
               <a:rPr lang="zh-TW" altLang="en-US" smtClean="0"/>
-              <a:t>2016/12/22</a:t>
+              <a:t>2016-12-26</a:t>
             </a:fld>
             <a:endParaRPr lang="zh-TW" altLang="en-US"/>
           </a:p>
@@ -2799,10 +2802,9 @@
           </a:lstStyle>
           <a:p>
             <a:r>
-              <a:rPr lang="zh-TW" altLang="en-US" smtClean="0"/>
+              <a:rPr lang="zh-TW" altLang="en-US"/>
               <a:t>按一下以編輯母片標題樣式</a:t>
             </a:r>
-            <a:endParaRPr lang="zh-TW" altLang="en-US"/>
           </a:p>
         </p:txBody>
       </p:sp>
@@ -2926,7 +2928,7 @@
           <a:p>
             <a:pPr lvl="0"/>
             <a:r>
-              <a:rPr lang="zh-TW" altLang="en-US" smtClean="0"/>
+              <a:rPr lang="zh-TW" altLang="en-US"/>
               <a:t>按一下以編輯母片文字樣式</a:t>
             </a:r>
           </a:p>
@@ -2949,7 +2951,7 @@
           <a:p>
             <a:fld id="{DC81E784-669A-440B-8BB6-11A753C9AD45}" type="datetimeFigureOut">
               <a:rPr lang="zh-TW" altLang="en-US" smtClean="0"/>
-              <a:t>2016/12/22</a:t>
+              <a:t>2016-12-26</a:t>
             </a:fld>
             <a:endParaRPr lang="zh-TW" altLang="en-US"/>
           </a:p>
@@ -3038,10 +3040,9 @@
           <a:lstStyle/>
           <a:p>
             <a:r>
-              <a:rPr lang="zh-TW" altLang="en-US" smtClean="0"/>
+              <a:rPr lang="zh-TW" altLang="en-US"/>
               <a:t>按一下以編輯母片標題樣式</a:t>
             </a:r>
-            <a:endParaRPr lang="zh-TW" altLang="en-US"/>
           </a:p>
         </p:txBody>
       </p:sp>
@@ -3062,38 +3063,37 @@
           <a:p>
             <a:pPr lvl="0"/>
             <a:r>
-              <a:rPr lang="zh-TW" altLang="en-US" smtClean="0"/>
+              <a:rPr lang="zh-TW" altLang="en-US"/>
               <a:t>按一下以編輯母片文字樣式</a:t>
             </a:r>
           </a:p>
           <a:p>
             <a:pPr lvl="1"/>
             <a:r>
-              <a:rPr lang="zh-TW" altLang="en-US" smtClean="0"/>
+              <a:rPr lang="zh-TW" altLang="en-US"/>
               <a:t>第二層</a:t>
             </a:r>
           </a:p>
           <a:p>
             <a:pPr lvl="2"/>
             <a:r>
-              <a:rPr lang="zh-TW" altLang="en-US" smtClean="0"/>
+              <a:rPr lang="zh-TW" altLang="en-US"/>
               <a:t>第三層</a:t>
             </a:r>
           </a:p>
           <a:p>
             <a:pPr lvl="3"/>
             <a:r>
-              <a:rPr lang="zh-TW" altLang="en-US" smtClean="0"/>
+              <a:rPr lang="zh-TW" altLang="en-US"/>
               <a:t>第四層</a:t>
             </a:r>
           </a:p>
           <a:p>
             <a:pPr lvl="4"/>
             <a:r>
-              <a:rPr lang="zh-TW" altLang="en-US" smtClean="0"/>
+              <a:rPr lang="zh-TW" altLang="en-US"/>
               <a:t>第五層</a:t>
             </a:r>
-            <a:endParaRPr lang="zh-TW" altLang="en-US"/>
           </a:p>
         </p:txBody>
       </p:sp>
@@ -3114,7 +3114,7 @@
           <a:p>
             <a:fld id="{DC81E784-669A-440B-8BB6-11A753C9AD45}" type="datetimeFigureOut">
               <a:rPr lang="zh-TW" altLang="en-US" smtClean="0"/>
-              <a:t>2016/12/22</a:t>
+              <a:t>2016-12-26</a:t>
             </a:fld>
             <a:endParaRPr lang="zh-TW" altLang="en-US"/>
           </a:p>
@@ -3208,10 +3208,9 @@
           <a:lstStyle/>
           <a:p>
             <a:r>
-              <a:rPr lang="zh-TW" altLang="en-US" smtClean="0"/>
+              <a:rPr lang="zh-TW" altLang="en-US"/>
               <a:t>按一下以編輯母片標題樣式</a:t>
             </a:r>
-            <a:endParaRPr lang="zh-TW" altLang="en-US"/>
           </a:p>
         </p:txBody>
       </p:sp>
@@ -3237,38 +3236,37 @@
           <a:p>
             <a:pPr lvl="0"/>
             <a:r>
-              <a:rPr lang="zh-TW" altLang="en-US" smtClean="0"/>
+              <a:rPr lang="zh-TW" altLang="en-US"/>
               <a:t>按一下以編輯母片文字樣式</a:t>
             </a:r>
           </a:p>
           <a:p>
             <a:pPr lvl="1"/>
             <a:r>
-              <a:rPr lang="zh-TW" altLang="en-US" smtClean="0"/>
+              <a:rPr lang="zh-TW" altLang="en-US"/>
               <a:t>第二層</a:t>
             </a:r>
           </a:p>
           <a:p>
             <a:pPr lvl="2"/>
             <a:r>
-              <a:rPr lang="zh-TW" altLang="en-US" smtClean="0"/>
+              <a:rPr lang="zh-TW" altLang="en-US"/>
               <a:t>第三層</a:t>
             </a:r>
           </a:p>
           <a:p>
             <a:pPr lvl="3"/>
             <a:r>
-              <a:rPr lang="zh-TW" altLang="en-US" smtClean="0"/>
+              <a:rPr lang="zh-TW" altLang="en-US"/>
               <a:t>第四層</a:t>
             </a:r>
           </a:p>
           <a:p>
             <a:pPr lvl="4"/>
             <a:r>
-              <a:rPr lang="zh-TW" altLang="en-US" smtClean="0"/>
+              <a:rPr lang="zh-TW" altLang="en-US"/>
               <a:t>第五層</a:t>
             </a:r>
-            <a:endParaRPr lang="zh-TW" altLang="en-US"/>
           </a:p>
         </p:txBody>
       </p:sp>
@@ -3289,7 +3287,7 @@
           <a:p>
             <a:fld id="{DC81E784-669A-440B-8BB6-11A753C9AD45}" type="datetimeFigureOut">
               <a:rPr lang="zh-TW" altLang="en-US" smtClean="0"/>
-              <a:t>2016/12/22</a:t>
+              <a:t>2016-12-26</a:t>
             </a:fld>
             <a:endParaRPr lang="zh-TW" altLang="en-US"/>
           </a:p>
@@ -3531,7 +3529,7 @@
           <a:p>
             <a:fld id="{DC81E784-669A-440B-8BB6-11A753C9AD45}" type="datetimeFigureOut">
               <a:rPr lang="zh-TW" altLang="en-US" smtClean="0"/>
-              <a:t>2016/12/22</a:t>
+              <a:t>2016-12-26</a:t>
             </a:fld>
             <a:endParaRPr lang="zh-TW" altLang="en-US"/>
           </a:p>
@@ -3699,7 +3697,7 @@
           </a:lstStyle>
           <a:p>
             <a:r>
-              <a:rPr kumimoji="0" lang="zh-TW" altLang="en-US" smtClean="0"/>
+              <a:rPr kumimoji="0" lang="zh-TW" altLang="en-US"/>
               <a:t>按一下以編輯母片標題樣式</a:t>
             </a:r>
             <a:endParaRPr kumimoji="0" lang="en-US"/>
@@ -3779,7 +3777,7 @@
           <a:p>
             <a:pPr lvl="0" eaLnBrk="1" latinLnBrk="0" hangingPunct="1"/>
             <a:r>
-              <a:rPr kumimoji="0" lang="zh-TW" altLang="en-US" smtClean="0"/>
+              <a:rPr kumimoji="0" lang="zh-TW" altLang="en-US"/>
               <a:t>按一下以編輯母片文字樣式</a:t>
             </a:r>
           </a:p>
@@ -3830,7 +3828,7 @@
           </a:lstStyle>
           <a:p>
             <a:r>
-              <a:rPr kumimoji="0" lang="zh-TW" altLang="en-US" smtClean="0"/>
+              <a:rPr kumimoji="0" lang="zh-TW" altLang="en-US"/>
               <a:t>按一下以編輯母片標題樣式</a:t>
             </a:r>
             <a:endParaRPr kumimoji="0" lang="en-US"/>
@@ -3875,35 +3873,35 @@
           <a:p>
             <a:pPr lvl="0" eaLnBrk="1" latinLnBrk="0" hangingPunct="1"/>
             <a:r>
-              <a:rPr lang="zh-TW" altLang="en-US" smtClean="0"/>
+              <a:rPr lang="zh-TW" altLang="en-US"/>
               <a:t>按一下以編輯母片文字樣式</a:t>
             </a:r>
           </a:p>
           <a:p>
             <a:pPr lvl="1" eaLnBrk="1" latinLnBrk="0" hangingPunct="1"/>
             <a:r>
-              <a:rPr lang="zh-TW" altLang="en-US" smtClean="0"/>
+              <a:rPr lang="zh-TW" altLang="en-US"/>
               <a:t>第二層</a:t>
             </a:r>
           </a:p>
           <a:p>
             <a:pPr lvl="2" eaLnBrk="1" latinLnBrk="0" hangingPunct="1"/>
             <a:r>
-              <a:rPr lang="zh-TW" altLang="en-US" smtClean="0"/>
+              <a:rPr lang="zh-TW" altLang="en-US"/>
               <a:t>第三層</a:t>
             </a:r>
           </a:p>
           <a:p>
             <a:pPr lvl="3" eaLnBrk="1" latinLnBrk="0" hangingPunct="1"/>
             <a:r>
-              <a:rPr lang="zh-TW" altLang="en-US" smtClean="0"/>
+              <a:rPr lang="zh-TW" altLang="en-US"/>
               <a:t>第四層</a:t>
             </a:r>
           </a:p>
           <a:p>
             <a:pPr lvl="4" eaLnBrk="1" latinLnBrk="0" hangingPunct="1"/>
             <a:r>
-              <a:rPr lang="zh-TW" altLang="en-US" smtClean="0"/>
+              <a:rPr lang="zh-TW" altLang="en-US"/>
               <a:t>第五層</a:t>
             </a:r>
             <a:endParaRPr kumimoji="0" lang="en-US"/>
@@ -3948,35 +3946,35 @@
           <a:p>
             <a:pPr lvl="0" eaLnBrk="1" latinLnBrk="0" hangingPunct="1"/>
             <a:r>
-              <a:rPr lang="zh-TW" altLang="en-US" smtClean="0"/>
+              <a:rPr lang="zh-TW" altLang="en-US"/>
               <a:t>按一下以編輯母片文字樣式</a:t>
             </a:r>
           </a:p>
           <a:p>
             <a:pPr lvl="1" eaLnBrk="1" latinLnBrk="0" hangingPunct="1"/>
             <a:r>
-              <a:rPr lang="zh-TW" altLang="en-US" smtClean="0"/>
+              <a:rPr lang="zh-TW" altLang="en-US"/>
               <a:t>第二層</a:t>
             </a:r>
           </a:p>
           <a:p>
             <a:pPr lvl="2" eaLnBrk="1" latinLnBrk="0" hangingPunct="1"/>
             <a:r>
-              <a:rPr lang="zh-TW" altLang="en-US" smtClean="0"/>
+              <a:rPr lang="zh-TW" altLang="en-US"/>
               <a:t>第三層</a:t>
             </a:r>
           </a:p>
           <a:p>
             <a:pPr lvl="3" eaLnBrk="1" latinLnBrk="0" hangingPunct="1"/>
             <a:r>
-              <a:rPr lang="zh-TW" altLang="en-US" smtClean="0"/>
+              <a:rPr lang="zh-TW" altLang="en-US"/>
               <a:t>第四層</a:t>
             </a:r>
           </a:p>
           <a:p>
             <a:pPr lvl="4" eaLnBrk="1" latinLnBrk="0" hangingPunct="1"/>
             <a:r>
-              <a:rPr lang="zh-TW" altLang="en-US" smtClean="0"/>
+              <a:rPr lang="zh-TW" altLang="en-US"/>
               <a:t>第五層</a:t>
             </a:r>
             <a:endParaRPr kumimoji="0" lang="en-US"/>
@@ -4005,7 +4003,7 @@
           <a:p>
             <a:fld id="{DC81E784-669A-440B-8BB6-11A753C9AD45}" type="datetimeFigureOut">
               <a:rPr lang="zh-TW" altLang="en-US" smtClean="0"/>
-              <a:t>2016/12/22</a:t>
+              <a:t>2016-12-26</a:t>
             </a:fld>
             <a:endParaRPr lang="zh-TW" altLang="en-US"/>
           </a:p>
@@ -4127,7 +4125,7 @@
           </a:lstStyle>
           <a:p>
             <a:r>
-              <a:rPr kumimoji="0" lang="zh-TW" altLang="en-US" smtClean="0"/>
+              <a:rPr kumimoji="0" lang="zh-TW" altLang="en-US"/>
               <a:t>按一下以編輯母片標題樣式</a:t>
             </a:r>
             <a:endParaRPr kumimoji="0" lang="en-US"/>
@@ -4187,7 +4185,7 @@
           <a:p>
             <a:pPr lvl="0" eaLnBrk="1" latinLnBrk="0" hangingPunct="1"/>
             <a:r>
-              <a:rPr kumimoji="0" lang="zh-TW" altLang="en-US" smtClean="0"/>
+              <a:rPr kumimoji="0" lang="zh-TW" altLang="en-US"/>
               <a:t>按一下以編輯母片文字樣式</a:t>
             </a:r>
           </a:p>
@@ -4246,7 +4244,7 @@
           <a:p>
             <a:pPr lvl="0" eaLnBrk="1" latinLnBrk="0" hangingPunct="1"/>
             <a:r>
-              <a:rPr kumimoji="0" lang="zh-TW" altLang="en-US" smtClean="0"/>
+              <a:rPr kumimoji="0" lang="zh-TW" altLang="en-US"/>
               <a:t>按一下以編輯母片文字樣式</a:t>
             </a:r>
           </a:p>
@@ -4290,35 +4288,35 @@
           <a:p>
             <a:pPr lvl="0" eaLnBrk="1" latinLnBrk="0" hangingPunct="1"/>
             <a:r>
-              <a:rPr lang="zh-TW" altLang="en-US" smtClean="0"/>
+              <a:rPr lang="zh-TW" altLang="en-US"/>
               <a:t>按一下以編輯母片文字樣式</a:t>
             </a:r>
           </a:p>
           <a:p>
             <a:pPr lvl="1" eaLnBrk="1" latinLnBrk="0" hangingPunct="1"/>
             <a:r>
-              <a:rPr lang="zh-TW" altLang="en-US" smtClean="0"/>
+              <a:rPr lang="zh-TW" altLang="en-US"/>
               <a:t>第二層</a:t>
             </a:r>
           </a:p>
           <a:p>
             <a:pPr lvl="2" eaLnBrk="1" latinLnBrk="0" hangingPunct="1"/>
             <a:r>
-              <a:rPr lang="zh-TW" altLang="en-US" smtClean="0"/>
+              <a:rPr lang="zh-TW" altLang="en-US"/>
               <a:t>第三層</a:t>
             </a:r>
           </a:p>
           <a:p>
             <a:pPr lvl="3" eaLnBrk="1" latinLnBrk="0" hangingPunct="1"/>
             <a:r>
-              <a:rPr lang="zh-TW" altLang="en-US" smtClean="0"/>
+              <a:rPr lang="zh-TW" altLang="en-US"/>
               <a:t>第四層</a:t>
             </a:r>
           </a:p>
           <a:p>
             <a:pPr lvl="4" eaLnBrk="1" latinLnBrk="0" hangingPunct="1"/>
             <a:r>
-              <a:rPr lang="zh-TW" altLang="en-US" smtClean="0"/>
+              <a:rPr lang="zh-TW" altLang="en-US"/>
               <a:t>第五層</a:t>
             </a:r>
             <a:endParaRPr kumimoji="0" lang="en-US"/>
@@ -4363,35 +4361,35 @@
           <a:p>
             <a:pPr lvl="0" eaLnBrk="1" latinLnBrk="0" hangingPunct="1"/>
             <a:r>
-              <a:rPr lang="zh-TW" altLang="en-US" smtClean="0"/>
+              <a:rPr lang="zh-TW" altLang="en-US"/>
               <a:t>按一下以編輯母片文字樣式</a:t>
             </a:r>
           </a:p>
           <a:p>
             <a:pPr lvl="1" eaLnBrk="1" latinLnBrk="0" hangingPunct="1"/>
             <a:r>
-              <a:rPr lang="zh-TW" altLang="en-US" smtClean="0"/>
+              <a:rPr lang="zh-TW" altLang="en-US"/>
               <a:t>第二層</a:t>
             </a:r>
           </a:p>
           <a:p>
             <a:pPr lvl="2" eaLnBrk="1" latinLnBrk="0" hangingPunct="1"/>
             <a:r>
-              <a:rPr lang="zh-TW" altLang="en-US" smtClean="0"/>
+              <a:rPr lang="zh-TW" altLang="en-US"/>
               <a:t>第三層</a:t>
             </a:r>
           </a:p>
           <a:p>
             <a:pPr lvl="3" eaLnBrk="1" latinLnBrk="0" hangingPunct="1"/>
             <a:r>
-              <a:rPr lang="zh-TW" altLang="en-US" smtClean="0"/>
+              <a:rPr lang="zh-TW" altLang="en-US"/>
               <a:t>第四層</a:t>
             </a:r>
           </a:p>
           <a:p>
             <a:pPr lvl="4" eaLnBrk="1" latinLnBrk="0" hangingPunct="1"/>
             <a:r>
-              <a:rPr lang="zh-TW" altLang="en-US" smtClean="0"/>
+              <a:rPr lang="zh-TW" altLang="en-US"/>
               <a:t>第五層</a:t>
             </a:r>
             <a:endParaRPr kumimoji="0" lang="en-US"/>
@@ -4420,7 +4418,7 @@
           <a:p>
             <a:fld id="{DC81E784-669A-440B-8BB6-11A753C9AD45}" type="datetimeFigureOut">
               <a:rPr lang="zh-TW" altLang="en-US" smtClean="0"/>
-              <a:t>2016/12/22</a:t>
+              <a:t>2016-12-26</a:t>
             </a:fld>
             <a:endParaRPr lang="zh-TW" altLang="en-US"/>
           </a:p>
@@ -4527,7 +4525,7 @@
           </a:lstStyle>
           <a:p>
             <a:r>
-              <a:rPr kumimoji="0" lang="zh-TW" altLang="en-US" smtClean="0"/>
+              <a:rPr kumimoji="0" lang="zh-TW" altLang="en-US"/>
               <a:t>按一下以編輯母片標題樣式</a:t>
             </a:r>
             <a:endParaRPr kumimoji="0" lang="en-US"/>
@@ -4551,7 +4549,7 @@
           <a:p>
             <a:fld id="{DC81E784-669A-440B-8BB6-11A753C9AD45}" type="datetimeFigureOut">
               <a:rPr lang="zh-TW" altLang="en-US" smtClean="0"/>
-              <a:t>2016/12/22</a:t>
+              <a:t>2016-12-26</a:t>
             </a:fld>
             <a:endParaRPr lang="zh-TW" altLang="en-US"/>
           </a:p>
@@ -4646,7 +4644,7 @@
           <a:p>
             <a:fld id="{DC81E784-669A-440B-8BB6-11A753C9AD45}" type="datetimeFigureOut">
               <a:rPr lang="zh-TW" altLang="en-US" smtClean="0"/>
-              <a:t>2016/12/22</a:t>
+              <a:t>2016-12-26</a:t>
             </a:fld>
             <a:endParaRPr lang="zh-TW" altLang="en-US"/>
           </a:p>
@@ -4763,7 +4761,7 @@
           </a:lstStyle>
           <a:p>
             <a:r>
-              <a:rPr kumimoji="0" lang="zh-TW" altLang="en-US" smtClean="0"/>
+              <a:rPr kumimoji="0" lang="zh-TW" altLang="en-US"/>
               <a:t>按一下以編輯母片標題樣式</a:t>
             </a:r>
             <a:endParaRPr kumimoji="0" lang="en-US"/>
@@ -4816,7 +4814,7 @@
           <a:p>
             <a:pPr lvl="0" eaLnBrk="1" latinLnBrk="0" hangingPunct="1"/>
             <a:r>
-              <a:rPr kumimoji="0" lang="zh-TW" altLang="en-US" smtClean="0"/>
+              <a:rPr kumimoji="0" lang="zh-TW" altLang="en-US"/>
               <a:t>按一下以編輯母片文字樣式</a:t>
             </a:r>
           </a:p>
@@ -4863,35 +4861,35 @@
           <a:p>
             <a:pPr lvl="0" eaLnBrk="1" latinLnBrk="0" hangingPunct="1"/>
             <a:r>
-              <a:rPr lang="zh-TW" altLang="en-US" smtClean="0"/>
+              <a:rPr lang="zh-TW" altLang="en-US"/>
               <a:t>按一下以編輯母片文字樣式</a:t>
             </a:r>
           </a:p>
           <a:p>
             <a:pPr lvl="1" eaLnBrk="1" latinLnBrk="0" hangingPunct="1"/>
             <a:r>
-              <a:rPr lang="zh-TW" altLang="en-US" smtClean="0"/>
+              <a:rPr lang="zh-TW" altLang="en-US"/>
               <a:t>第二層</a:t>
             </a:r>
           </a:p>
           <a:p>
             <a:pPr lvl="2" eaLnBrk="1" latinLnBrk="0" hangingPunct="1"/>
             <a:r>
-              <a:rPr lang="zh-TW" altLang="en-US" smtClean="0"/>
+              <a:rPr lang="zh-TW" altLang="en-US"/>
               <a:t>第三層</a:t>
             </a:r>
           </a:p>
           <a:p>
             <a:pPr lvl="3" eaLnBrk="1" latinLnBrk="0" hangingPunct="1"/>
             <a:r>
-              <a:rPr lang="zh-TW" altLang="en-US" smtClean="0"/>
+              <a:rPr lang="zh-TW" altLang="en-US"/>
               <a:t>第四層</a:t>
             </a:r>
           </a:p>
           <a:p>
             <a:pPr lvl="4" eaLnBrk="1" latinLnBrk="0" hangingPunct="1"/>
             <a:r>
-              <a:rPr lang="zh-TW" altLang="en-US" smtClean="0"/>
+              <a:rPr lang="zh-TW" altLang="en-US"/>
               <a:t>第五層</a:t>
             </a:r>
             <a:endParaRPr kumimoji="0" lang="en-US"/>
@@ -4924,7 +4922,7 @@
           <a:p>
             <a:fld id="{DC81E784-669A-440B-8BB6-11A753C9AD45}" type="datetimeFigureOut">
               <a:rPr lang="zh-TW" altLang="en-US" smtClean="0"/>
-              <a:t>2016/12/22</a:t>
+              <a:t>2016-12-26</a:t>
             </a:fld>
             <a:endParaRPr lang="zh-TW" altLang="en-US"/>
           </a:p>
@@ -5046,7 +5044,7 @@
           </a:lstStyle>
           <a:p>
             <a:r>
-              <a:rPr kumimoji="0" lang="zh-TW" altLang="en-US" smtClean="0"/>
+              <a:rPr kumimoji="0" lang="zh-TW" altLang="en-US"/>
               <a:t>按一下以編輯母片標題樣式</a:t>
             </a:r>
             <a:endParaRPr kumimoji="0" lang="en-US"/>
@@ -5084,7 +5082,7 @@
           </a:lstStyle>
           <a:p>
             <a:r>
-              <a:rPr kumimoji="0" lang="zh-TW" altLang="en-US" smtClean="0"/>
+              <a:rPr kumimoji="0" lang="zh-TW" altLang="en-US"/>
               <a:t>按一下圖示以新增圖片</a:t>
             </a:r>
             <a:endParaRPr kumimoji="0" lang="en-US" dirty="0"/>
@@ -5144,7 +5142,7 @@
           <a:p>
             <a:pPr lvl="0" eaLnBrk="1" latinLnBrk="0" hangingPunct="1"/>
             <a:r>
-              <a:rPr kumimoji="0" lang="zh-TW" altLang="en-US" smtClean="0"/>
+              <a:rPr kumimoji="0" lang="zh-TW" altLang="en-US"/>
               <a:t>按一下以編輯母片文字樣式</a:t>
             </a:r>
           </a:p>
@@ -5176,7 +5174,7 @@
           <a:p>
             <a:fld id="{DC81E784-669A-440B-8BB6-11A753C9AD45}" type="datetimeFigureOut">
               <a:rPr lang="zh-TW" altLang="en-US" smtClean="0"/>
-              <a:t>2016/12/22</a:t>
+              <a:t>2016-12-26</a:t>
             </a:fld>
             <a:endParaRPr lang="zh-TW" altLang="en-US"/>
           </a:p>
@@ -5446,7 +5444,7 @@
           <a:lstStyle/>
           <a:p>
             <a:r>
-              <a:rPr kumimoji="0" lang="zh-TW" altLang="en-US" smtClean="0"/>
+              <a:rPr kumimoji="0" lang="zh-TW" altLang="en-US"/>
               <a:t>按一下以編輯母片標題樣式</a:t>
             </a:r>
             <a:endParaRPr kumimoji="0" lang="en-US"/>
@@ -5480,35 +5478,35 @@
           <a:p>
             <a:pPr lvl="0" eaLnBrk="1" latinLnBrk="0" hangingPunct="1"/>
             <a:r>
-              <a:rPr kumimoji="0" lang="zh-TW" altLang="en-US" smtClean="0"/>
+              <a:rPr kumimoji="0" lang="zh-TW" altLang="en-US"/>
               <a:t>按一下以編輯母片文字樣式</a:t>
             </a:r>
           </a:p>
           <a:p>
             <a:pPr lvl="1" eaLnBrk="1" latinLnBrk="0" hangingPunct="1"/>
             <a:r>
-              <a:rPr kumimoji="0" lang="zh-TW" altLang="en-US" smtClean="0"/>
+              <a:rPr kumimoji="0" lang="zh-TW" altLang="en-US"/>
               <a:t>第二層</a:t>
             </a:r>
           </a:p>
           <a:p>
             <a:pPr lvl="2" eaLnBrk="1" latinLnBrk="0" hangingPunct="1"/>
             <a:r>
-              <a:rPr kumimoji="0" lang="zh-TW" altLang="en-US" smtClean="0"/>
+              <a:rPr kumimoji="0" lang="zh-TW" altLang="en-US"/>
               <a:t>第三層</a:t>
             </a:r>
           </a:p>
           <a:p>
             <a:pPr lvl="3" eaLnBrk="1" latinLnBrk="0" hangingPunct="1"/>
             <a:r>
-              <a:rPr kumimoji="0" lang="zh-TW" altLang="en-US" smtClean="0"/>
+              <a:rPr kumimoji="0" lang="zh-TW" altLang="en-US"/>
               <a:t>第四層</a:t>
             </a:r>
           </a:p>
           <a:p>
             <a:pPr lvl="4" eaLnBrk="1" latinLnBrk="0" hangingPunct="1"/>
             <a:r>
-              <a:rPr kumimoji="0" lang="zh-TW" altLang="en-US" smtClean="0"/>
+              <a:rPr kumimoji="0" lang="zh-TW" altLang="en-US"/>
               <a:t>第五層</a:t>
             </a:r>
             <a:endParaRPr kumimoji="0" lang="en-US"/>
@@ -5548,7 +5546,7 @@
           <a:p>
             <a:fld id="{DC81E784-669A-440B-8BB6-11A753C9AD45}" type="datetimeFigureOut">
               <a:rPr lang="zh-TW" altLang="en-US" smtClean="0"/>
-              <a:t>2016/12/22</a:t>
+              <a:t>2016-12-26</a:t>
             </a:fld>
             <a:endParaRPr lang="zh-TW" altLang="en-US"/>
           </a:p>
@@ -5998,10 +5996,9 @@
           <a:lstStyle/>
           <a:p>
             <a:r>
-              <a:rPr lang="zh-TW" altLang="en-US" smtClean="0"/>
+              <a:rPr lang="zh-TW" altLang="en-US"/>
               <a:t>按一下以編輯母片標題樣式</a:t>
             </a:r>
-            <a:endParaRPr lang="zh-TW" altLang="en-US"/>
           </a:p>
         </p:txBody>
       </p:sp>
@@ -6032,38 +6029,37 @@
           <a:p>
             <a:pPr lvl="0"/>
             <a:r>
-              <a:rPr lang="zh-TW" altLang="en-US" smtClean="0"/>
+              <a:rPr lang="zh-TW" altLang="en-US"/>
               <a:t>按一下以編輯母片文字樣式</a:t>
             </a:r>
           </a:p>
           <a:p>
             <a:pPr lvl="1"/>
             <a:r>
-              <a:rPr lang="zh-TW" altLang="en-US" smtClean="0"/>
+              <a:rPr lang="zh-TW" altLang="en-US"/>
               <a:t>第二層</a:t>
             </a:r>
           </a:p>
           <a:p>
             <a:pPr lvl="2"/>
             <a:r>
-              <a:rPr lang="zh-TW" altLang="en-US" smtClean="0"/>
+              <a:rPr lang="zh-TW" altLang="en-US"/>
               <a:t>第三層</a:t>
             </a:r>
           </a:p>
           <a:p>
             <a:pPr lvl="3"/>
             <a:r>
-              <a:rPr lang="zh-TW" altLang="en-US" smtClean="0"/>
+              <a:rPr lang="zh-TW" altLang="en-US"/>
               <a:t>第四層</a:t>
             </a:r>
           </a:p>
           <a:p>
             <a:pPr lvl="4"/>
             <a:r>
-              <a:rPr lang="zh-TW" altLang="en-US" smtClean="0"/>
+              <a:rPr lang="zh-TW" altLang="en-US"/>
               <a:t>第五層</a:t>
             </a:r>
-            <a:endParaRPr lang="zh-TW" altLang="en-US"/>
           </a:p>
         </p:txBody>
       </p:sp>
@@ -6102,7 +6098,7 @@
           <a:p>
             <a:fld id="{DC81E784-669A-440B-8BB6-11A753C9AD45}" type="datetimeFigureOut">
               <a:rPr lang="zh-TW" altLang="en-US" smtClean="0"/>
-              <a:t>2016/12/22</a:t>
+              <a:t>2016-12-26</a:t>
             </a:fld>
             <a:endParaRPr lang="zh-TW" altLang="en-US"/>
           </a:p>
@@ -6561,7 +6557,7 @@
           <a:lstStyle/>
           <a:p>
             <a:r>
-              <a:rPr lang="en-GB" altLang="zh-TW" sz="6000" dirty="0" err="1" smtClean="0">
+              <a:rPr lang="en-GB" altLang="zh-TW" sz="6000" dirty="0" err="1">
                 <a:solidFill>
                   <a:srgbClr val="92D050"/>
                 </a:solidFill>
@@ -6570,7 +6566,7 @@
               <a:t>int</a:t>
             </a:r>
             <a:r>
-              <a:rPr lang="en-GB" altLang="zh-TW" sz="6000" dirty="0" smtClean="0">
+              <a:rPr lang="en-GB" altLang="zh-TW" sz="6000" dirty="0">
                 <a:solidFill>
                   <a:schemeClr val="bg1">
                     <a:lumMod val="95000"/>
@@ -6581,7 +6577,7 @@
               <a:t> Group5()</a:t>
             </a:r>
             <a:r>
-              <a:rPr lang="en-GB" altLang="zh-TW" sz="6000" dirty="0" smtClean="0">
+              <a:rPr lang="en-GB" altLang="zh-TW" sz="6000" dirty="0">
                 <a:solidFill>
                   <a:schemeClr val="accent6">
                     <a:lumMod val="75000"/>
@@ -6605,7 +6601,7 @@
               <a:t>	</a:t>
             </a:r>
             <a:r>
-              <a:rPr lang="en-GB" altLang="zh-TW" sz="6000" dirty="0" err="1" smtClean="0">
+              <a:rPr lang="en-GB" altLang="zh-TW" sz="6000" dirty="0" err="1">
                 <a:solidFill>
                   <a:srgbClr val="92D050"/>
                 </a:solidFill>
@@ -6614,7 +6610,7 @@
               <a:t>int</a:t>
             </a:r>
             <a:r>
-              <a:rPr lang="en-GB" altLang="zh-TW" sz="6000" dirty="0" smtClean="0">
+              <a:rPr lang="en-GB" altLang="zh-TW" sz="6000" dirty="0">
                 <a:solidFill>
                   <a:schemeClr val="bg1">
                     <a:lumMod val="95000"/>
@@ -6625,7 +6621,7 @@
               <a:t> group = </a:t>
             </a:r>
             <a:r>
-              <a:rPr lang="en-GB" altLang="zh-TW" sz="6000" dirty="0" smtClean="0">
+              <a:rPr lang="en-GB" altLang="zh-TW" sz="6000" dirty="0">
                 <a:solidFill>
                   <a:srgbClr val="FFFF00"/>
                 </a:solidFill>
@@ -6634,7 +6630,7 @@
               <a:t>5</a:t>
             </a:r>
             <a:r>
-              <a:rPr lang="en-GB" altLang="zh-TW" sz="6000" dirty="0" smtClean="0">
+              <a:rPr lang="en-GB" altLang="zh-TW" sz="6000" dirty="0">
                 <a:solidFill>
                   <a:schemeClr val="accent2">
                     <a:lumMod val="60000"/>
@@ -6659,7 +6655,7 @@
               <a:t>	</a:t>
             </a:r>
             <a:r>
-              <a:rPr lang="en-GB" altLang="zh-TW" sz="6000" dirty="0" smtClean="0">
+              <a:rPr lang="en-GB" altLang="zh-TW" sz="6000" dirty="0">
                 <a:solidFill>
                   <a:srgbClr val="92D050"/>
                 </a:solidFill>
@@ -6668,7 +6664,7 @@
               <a:t>char</a:t>
             </a:r>
             <a:r>
-              <a:rPr lang="en-GB" altLang="zh-TW" sz="6000" dirty="0" smtClean="0">
+              <a:rPr lang="en-GB" altLang="zh-TW" sz="6000" dirty="0">
                 <a:solidFill>
                   <a:schemeClr val="bg1">
                     <a:lumMod val="95000"/>
@@ -6679,7 +6675,7 @@
               <a:t> </a:t>
             </a:r>
             <a:r>
-              <a:rPr lang="en-GB" altLang="zh-TW" sz="6000" dirty="0" smtClean="0">
+              <a:rPr lang="en-GB" altLang="zh-TW" sz="6000" dirty="0">
                 <a:solidFill>
                   <a:schemeClr val="accent2">
                     <a:lumMod val="60000"/>
@@ -6691,7 +6687,7 @@
               <a:t>*</a:t>
             </a:r>
             <a:r>
-              <a:rPr lang="en-GB" altLang="zh-TW" sz="6000" dirty="0" smtClean="0">
+              <a:rPr lang="en-GB" altLang="zh-TW" sz="6000" dirty="0">
                 <a:solidFill>
                   <a:schemeClr val="bg1">
                     <a:lumMod val="95000"/>
@@ -6712,21 +6708,10 @@
                 </a:solidFill>
                 <a:latin typeface="Source Code Pro Light" pitchFamily="49" charset="0"/>
               </a:rPr>
-              <a:t>	</a:t>
-            </a:r>
-            <a:r>
-              <a:rPr lang="en-GB" altLang="zh-TW" sz="6000" dirty="0" smtClean="0">
-                <a:solidFill>
-                  <a:schemeClr val="bg1">
-                    <a:lumMod val="95000"/>
-                  </a:schemeClr>
-                </a:solidFill>
-                <a:latin typeface="Source Code Pro Light" pitchFamily="49" charset="0"/>
-              </a:rPr>
-              <a:t>	</a:t>
-            </a:r>
-            <a:r>
-              <a:rPr lang="en-GB" altLang="zh-TW" sz="6000" dirty="0" smtClean="0">
+              <a:t>		</a:t>
+            </a:r>
+            <a:r>
+              <a:rPr lang="en-GB" altLang="zh-TW" sz="6000" dirty="0">
                 <a:solidFill>
                   <a:schemeClr val="accent6">
                     <a:lumMod val="75000"/>
@@ -6737,7 +6722,7 @@
               <a:t>{</a:t>
             </a:r>
             <a:r>
-              <a:rPr lang="zh-TW" altLang="en-US" sz="6000" dirty="0" smtClean="0">
+              <a:rPr lang="zh-TW" altLang="en-US" sz="6000" dirty="0">
                 <a:solidFill>
                   <a:srgbClr val="FFFF00"/>
                 </a:solidFill>
@@ -6747,7 +6732,7 @@
               <a:t>張以勒 </a:t>
             </a:r>
             <a:r>
-              <a:rPr lang="en-GB" altLang="zh-TW" sz="6000" dirty="0" smtClean="0">
+              <a:rPr lang="en-GB" altLang="zh-TW" sz="6000" dirty="0">
                 <a:solidFill>
                   <a:srgbClr val="FFFF00"/>
                 </a:solidFill>
@@ -6757,7 +6742,7 @@
               <a:t>,</a:t>
             </a:r>
             <a:r>
-              <a:rPr lang="zh-TW" altLang="en-US" sz="6000" dirty="0" smtClean="0">
+              <a:rPr lang="zh-TW" altLang="en-US" sz="6000" dirty="0">
                 <a:solidFill>
                   <a:srgbClr val="FFFF00"/>
                 </a:solidFill>
@@ -6767,7 +6752,7 @@
               <a:t>呂肇軒</a:t>
             </a:r>
             <a:r>
-              <a:rPr lang="en-GB" altLang="zh-TW" sz="6000" dirty="0" smtClean="0">
+              <a:rPr lang="en-GB" altLang="zh-TW" sz="6000" dirty="0">
                 <a:solidFill>
                   <a:srgbClr val="FFFF00"/>
                 </a:solidFill>
@@ -6777,7 +6762,7 @@
               <a:t>,</a:t>
             </a:r>
             <a:r>
-              <a:rPr lang="zh-TW" altLang="en-US" sz="6000" dirty="0" smtClean="0">
+              <a:rPr lang="zh-TW" altLang="en-US" sz="6000" dirty="0">
                 <a:solidFill>
                   <a:srgbClr val="FFFF00"/>
                 </a:solidFill>
@@ -6786,7 +6771,7 @@
               </a:rPr>
               <a:t> </a:t>
             </a:r>
-            <a:endParaRPr lang="en-GB" altLang="zh-TW" sz="6000" dirty="0" smtClean="0">
+            <a:endParaRPr lang="en-GB" altLang="zh-TW" sz="6000" dirty="0">
               <a:solidFill>
                 <a:srgbClr val="FFFF00"/>
               </a:solidFill>
@@ -6803,20 +6788,10 @@
                 <a:latin typeface="微軟正黑體 Light" pitchFamily="34" charset="-120"/>
                 <a:ea typeface="微軟正黑體 Light" pitchFamily="34" charset="-120"/>
               </a:rPr>
-              <a:t>	</a:t>
-            </a:r>
-            <a:r>
-              <a:rPr lang="en-GB" altLang="zh-TW" sz="6000" dirty="0" smtClean="0">
-                <a:solidFill>
-                  <a:srgbClr val="FFFF00"/>
-                </a:solidFill>
-                <a:latin typeface="微軟正黑體 Light" pitchFamily="34" charset="-120"/>
-                <a:ea typeface="微軟正黑體 Light" pitchFamily="34" charset="-120"/>
-              </a:rPr>
-              <a:t>	</a:t>
-            </a:r>
-            <a:r>
-              <a:rPr lang="zh-TW" altLang="en-US" sz="6000" dirty="0" smtClean="0">
+              <a:t>		</a:t>
+            </a:r>
+            <a:r>
+              <a:rPr lang="zh-TW" altLang="en-US" sz="6000" dirty="0">
                 <a:solidFill>
                   <a:srgbClr val="FFFF00"/>
                 </a:solidFill>
@@ -6826,7 +6801,7 @@
               <a:t>陳傲賢 </a:t>
             </a:r>
             <a:r>
-              <a:rPr lang="en-GB" altLang="zh-TW" sz="6000" dirty="0" smtClean="0">
+              <a:rPr lang="en-GB" altLang="zh-TW" sz="6000" dirty="0">
                 <a:solidFill>
                   <a:srgbClr val="FFFF00"/>
                 </a:solidFill>
@@ -6836,7 +6811,7 @@
               <a:t>,</a:t>
             </a:r>
             <a:r>
-              <a:rPr lang="zh-TW" altLang="en-US" sz="6000" dirty="0" smtClean="0">
+              <a:rPr lang="zh-TW" altLang="en-US" sz="6000" dirty="0">
                 <a:solidFill>
                   <a:srgbClr val="FFFF00"/>
                 </a:solidFill>
@@ -6846,7 +6821,7 @@
               <a:t>韓定鈞</a:t>
             </a:r>
             <a:r>
-              <a:rPr lang="en-GB" altLang="zh-TW" sz="6000" dirty="0" smtClean="0">
+              <a:rPr lang="en-GB" altLang="zh-TW" sz="6000" dirty="0">
                 <a:solidFill>
                   <a:schemeClr val="accent6">
                     <a:lumMod val="75000"/>
@@ -6857,7 +6832,7 @@
               <a:t>}</a:t>
             </a:r>
             <a:r>
-              <a:rPr lang="en-GB" altLang="zh-TW" sz="6000" dirty="0" smtClean="0">
+              <a:rPr lang="en-GB" altLang="zh-TW" sz="6000" dirty="0">
                 <a:solidFill>
                   <a:schemeClr val="accent2">
                     <a:lumMod val="60000"/>
@@ -6923,13 +6898,6 @@
   <p:clrMapOvr>
     <a:masterClrMapping/>
   </p:clrMapOvr>
-  <p:timing>
-    <p:tnLst>
-      <p:par>
-        <p:cTn id="1" dur="indefinite" restart="never" nodeType="tmRoot"/>
-      </p:par>
-    </p:tnLst>
-  </p:timing>
 </p:sld>
 </file>
 
@@ -6962,10 +6930,15 @@
         </p:nvSpPr>
         <p:spPr/>
         <p:txBody>
-          <a:bodyPr/>
-          <a:lstStyle/>
-          <a:p>
-            <a:endParaRPr lang="zh-TW" altLang="en-US"/>
+          <a:bodyPr>
+            <a:normAutofit/>
+          </a:bodyPr>
+          <a:lstStyle/>
+          <a:p>
+            <a:r>
+              <a:rPr lang="zh-TW" altLang="en-US" dirty="0"/>
+              <a:t>猜數字</a:t>
+            </a:r>
           </a:p>
         </p:txBody>
       </p:sp>
@@ -6990,7 +6963,7 @@
       </p:sp>
       <p:pic>
         <p:nvPicPr>
-          <p:cNvPr id="45058" name="Picture 2" descr="http://www.hihison.com/assets/images/2-2000x1125-18.jpg"/>
+          <p:cNvPr id="4098" name="Picture 2"/>
           <p:cNvPicPr>
             <a:picLocks noChangeAspect="1" noChangeArrowheads="1"/>
           </p:cNvPicPr>
@@ -7005,59 +6978,128 @@
         </p:blipFill>
         <p:spPr bwMode="auto">
           <a:xfrm>
-            <a:off x="-900608" y="-2979712"/>
-            <a:ext cx="19050000" cy="10715625"/>
+            <a:off x="179512" y="2060848"/>
+            <a:ext cx="8716313" cy="4633714"/>
           </a:xfrm>
           <a:prstGeom prst="rect">
             <a:avLst/>
           </a:prstGeom>
           <a:noFill/>
+          <a:ln w="9525">
+            <a:noFill/>
+            <a:miter lim="800000"/>
+            <a:headEnd/>
+            <a:tailEnd/>
+          </a:ln>
         </p:spPr>
       </p:pic>
-      <p:sp>
-        <p:nvSpPr>
-          <p:cNvPr id="5" name="文字方塊 4"/>
-          <p:cNvSpPr txBox="1"/>
+    </p:spTree>
+  </p:cSld>
+  <p:clrMapOvr>
+    <a:masterClrMapping/>
+  </p:clrMapOvr>
+</p:sld>
+</file>
+
+<file path=ppt/slides/slide11.xml><?xml version="1.0" encoding="utf-8"?>
+<p:sld xmlns:a="http://schemas.openxmlformats.org/drawingml/2006/main" xmlns:r="http://schemas.openxmlformats.org/officeDocument/2006/relationships" xmlns:p="http://schemas.openxmlformats.org/presentationml/2006/main">
+  <p:cSld>
+    <p:spTree>
+      <p:nvGrpSpPr>
+        <p:cNvPr id="1" name=""/>
+        <p:cNvGrpSpPr/>
+        <p:nvPr/>
+      </p:nvGrpSpPr>
+      <p:grpSpPr>
+        <a:xfrm>
+          <a:off x="0" y="0"/>
+          <a:ext cx="0" cy="0"/>
+          <a:chOff x="0" y="0"/>
+          <a:chExt cx="0" cy="0"/>
+        </a:xfrm>
+      </p:grpSpPr>
+      <p:sp>
+        <p:nvSpPr>
+          <p:cNvPr id="2" name="標題 1"/>
+          <p:cNvSpPr>
+            <a:spLocks noGrp="1"/>
+          </p:cNvSpPr>
+          <p:nvPr>
+            <p:ph type="title"/>
+          </p:nvPr>
+        </p:nvSpPr>
+        <p:spPr/>
+        <p:txBody>
+          <a:bodyPr/>
+          <a:lstStyle/>
+          <a:p>
+            <a:r>
+              <a:rPr lang="en-US" altLang="zh-TW" dirty="0"/>
+              <a:t>21</a:t>
+            </a:r>
+            <a:r>
+              <a:rPr lang="zh-TW" altLang="en-US" dirty="0"/>
+              <a:t>點</a:t>
+            </a:r>
+            <a:r>
+              <a:rPr lang="en-GB" altLang="zh-TW" dirty="0"/>
+              <a:t>(Black Jack)</a:t>
+            </a:r>
+            <a:endParaRPr lang="zh-TW" altLang="en-US" dirty="0"/>
+          </a:p>
+        </p:txBody>
+      </p:sp>
+      <p:sp>
+        <p:nvSpPr>
+          <p:cNvPr id="3" name="內容版面配置區 2"/>
+          <p:cNvSpPr>
+            <a:spLocks noGrp="1"/>
+          </p:cNvSpPr>
+          <p:nvPr>
+            <p:ph idx="1"/>
+          </p:nvPr>
+        </p:nvSpPr>
+        <p:spPr/>
+        <p:txBody>
+          <a:bodyPr/>
+          <a:lstStyle/>
+          <a:p>
+            <a:endParaRPr lang="zh-TW" altLang="en-US"/>
+          </a:p>
+        </p:txBody>
+      </p:sp>
+      <p:pic>
+        <p:nvPicPr>
+          <p:cNvPr id="5122" name="Picture 2"/>
+          <p:cNvPicPr>
+            <a:picLocks noChangeAspect="1" noChangeArrowheads="1"/>
+          </p:cNvPicPr>
           <p:nvPr/>
-        </p:nvSpPr>
-        <p:spPr>
+        </p:nvPicPr>
+        <p:blipFill>
+          <a:blip r:embed="rId2" cstate="print"/>
+          <a:srcRect/>
+          <a:stretch>
+            <a:fillRect/>
+          </a:stretch>
+        </p:blipFill>
+        <p:spPr bwMode="auto">
           <a:xfrm>
-            <a:off x="2771800" y="1268760"/>
-            <a:ext cx="9427581" cy="6447919"/>
+            <a:off x="179511" y="1844824"/>
+            <a:ext cx="8851765" cy="4705722"/>
           </a:xfrm>
           <a:prstGeom prst="rect">
             <a:avLst/>
           </a:prstGeom>
           <a:noFill/>
-        </p:spPr>
-        <p:txBody>
-          <a:bodyPr wrap="none" rtlCol="0">
-            <a:spAutoFit/>
-          </a:bodyPr>
-          <a:lstStyle/>
-          <a:p>
-            <a:r>
-              <a:rPr lang="zh-TW" altLang="en-US" sz="41300" dirty="0" smtClean="0">
-                <a:latin typeface="Verdana" pitchFamily="34" charset="0"/>
-                <a:cs typeface="Verdana" pitchFamily="34" charset="0"/>
-              </a:rPr>
-              <a:t>完 </a:t>
-            </a:r>
-            <a:r>
-              <a:rPr lang="en-US" altLang="zh-TW" sz="41300" dirty="0" smtClean="0">
-                <a:latin typeface="Verdana" pitchFamily="34" charset="0"/>
-                <a:ea typeface="Verdana" pitchFamily="34" charset="0"/>
-                <a:cs typeface="Verdana" pitchFamily="34" charset="0"/>
-              </a:rPr>
-              <a:t>!</a:t>
-            </a:r>
-            <a:endParaRPr lang="zh-TW" altLang="en-US" sz="41300" dirty="0">
-              <a:latin typeface="Verdana" pitchFamily="34" charset="0"/>
-              <a:cs typeface="Verdana" pitchFamily="34" charset="0"/>
-            </a:endParaRPr>
-          </a:p>
-        </p:txBody>
-      </p:sp>
+          <a:ln w="9525">
+            <a:noFill/>
+            <a:miter lim="800000"/>
+            <a:headEnd/>
+            <a:tailEnd/>
+          </a:ln>
+        </p:spPr>
+      </p:pic>
     </p:spTree>
   </p:cSld>
   <p:clrMapOvr>
@@ -7099,10 +7141,9 @@
           <a:lstStyle/>
           <a:p>
             <a:r>
-              <a:rPr lang="en-GB" altLang="zh-TW" dirty="0" smtClean="0"/>
-              <a:t>Objective</a:t>
-            </a:r>
-            <a:endParaRPr lang="zh-TW" altLang="en-US" dirty="0"/>
+              <a:rPr lang="zh-TW" altLang="en-US" b="1" dirty="0"/>
+              <a:t>目錄</a:t>
+            </a:r>
           </a:p>
         </p:txBody>
       </p:sp>
@@ -7121,17 +7162,227 @@
           <a:bodyPr/>
           <a:lstStyle/>
           <a:p>
-            <a:r>
-              <a:rPr lang="en-GB" altLang="zh-TW" dirty="0" smtClean="0"/>
-              <a:t>This gaming system can let the users (mainly students)to relax under the busy life .</a:t>
-            </a:r>
-          </a:p>
-          <a:p>
-            <a:r>
-              <a:rPr lang="en-US" altLang="zh-TW" dirty="0" smtClean="0"/>
-              <a:t>As we know that the school  life gives us lots of pressure. Through this program, users can play what they want with their friends .</a:t>
-            </a:r>
-            <a:endParaRPr lang="en-US" altLang="zh-TW" dirty="0" smtClean="0"/>
+            <a:pPr marL="1051560" lvl="1" indent="-514350">
+              <a:buFont typeface="+mj-lt"/>
+              <a:buAutoNum type="arabicPeriod"/>
+              <a:tabLst>
+                <a:tab pos="3683635" algn="l"/>
+              </a:tabLst>
+            </a:pPr>
+            <a:r>
+              <a:rPr lang="zh-TW" altLang="en-US" sz="2800" kern="100" dirty="0">
+                <a:latin typeface="+mj-lt"/>
+                <a:ea typeface="新細明體"/>
+                <a:cs typeface="Times New Roman"/>
+              </a:rPr>
+              <a:t>引言</a:t>
+            </a:r>
+            <a:r>
+              <a:rPr lang="en-US" altLang="zh-TW" sz="2800" kern="100" dirty="0">
+                <a:latin typeface="+mj-lt"/>
+                <a:ea typeface="新細明體"/>
+                <a:cs typeface="Times New Roman"/>
+              </a:rPr>
+              <a:t>---------------------------------</a:t>
+            </a:r>
+            <a:r>
+              <a:rPr lang="en-US" altLang="zh-TW" sz="2800" kern="100" dirty="0">
+                <a:latin typeface="+mj-lt"/>
+                <a:ea typeface="新細明體"/>
+                <a:cs typeface="Times New Roman"/>
+                <a:hlinkClick r:id="rId2" action="ppaction://hlinksldjump"/>
+              </a:rPr>
+              <a:t>P.3</a:t>
+            </a:r>
+            <a:endParaRPr lang="en-US" altLang="zh-TW" sz="2800" kern="100" dirty="0">
+              <a:latin typeface="+mj-lt"/>
+              <a:ea typeface="新細明體"/>
+              <a:cs typeface="Times New Roman"/>
+            </a:endParaRPr>
+          </a:p>
+          <a:p>
+            <a:pPr marL="1051560" lvl="1" indent="-514350">
+              <a:buFont typeface="+mj-lt"/>
+              <a:buAutoNum type="arabicPeriod"/>
+              <a:tabLst>
+                <a:tab pos="3683635" algn="l"/>
+              </a:tabLst>
+            </a:pPr>
+            <a:r>
+              <a:rPr lang="zh-TW" altLang="en-US" sz="2800" kern="100" dirty="0">
+                <a:latin typeface="+mj-lt"/>
+                <a:ea typeface="新細明體"/>
+                <a:cs typeface="Times New Roman"/>
+              </a:rPr>
+              <a:t>流程圖</a:t>
+            </a:r>
+            <a:r>
+              <a:rPr lang="en-US" altLang="zh-TW" sz="2800" kern="100" dirty="0">
+                <a:latin typeface="+mj-lt"/>
+                <a:ea typeface="新細明體"/>
+                <a:cs typeface="Times New Roman"/>
+              </a:rPr>
+              <a:t>------------------------------</a:t>
+            </a:r>
+            <a:r>
+              <a:rPr lang="en-US" altLang="zh-TW" sz="2800" kern="100" dirty="0">
+                <a:latin typeface="+mj-lt"/>
+                <a:ea typeface="新細明體"/>
+                <a:cs typeface="Times New Roman"/>
+                <a:hlinkClick r:id="rId3" action="ppaction://hlinksldjump"/>
+              </a:rPr>
+              <a:t>P.4</a:t>
+            </a:r>
+            <a:endParaRPr lang="en-US" altLang="zh-TW" sz="2800" kern="100" dirty="0">
+              <a:latin typeface="+mj-lt"/>
+              <a:ea typeface="新細明體"/>
+              <a:cs typeface="Times New Roman"/>
+            </a:endParaRPr>
+          </a:p>
+          <a:p>
+            <a:pPr marL="1051560" lvl="1" indent="-514350">
+              <a:buFont typeface="+mj-lt"/>
+              <a:buAutoNum type="arabicPeriod"/>
+              <a:tabLst>
+                <a:tab pos="3683635" algn="l"/>
+              </a:tabLst>
+            </a:pPr>
+            <a:r>
+              <a:rPr lang="en-US" altLang="zh-TW" sz="2800" kern="100" dirty="0">
+                <a:latin typeface="+mj-lt"/>
+                <a:ea typeface="新細明體"/>
+                <a:cs typeface="Times New Roman"/>
+              </a:rPr>
+              <a:t>Menu-------------------------------</a:t>
+            </a:r>
+          </a:p>
+          <a:p>
+            <a:pPr marL="1051560" lvl="1" indent="-514350">
+              <a:buFont typeface="+mj-lt"/>
+              <a:buAutoNum type="arabicPeriod"/>
+              <a:tabLst>
+                <a:tab pos="3683635" algn="l"/>
+              </a:tabLst>
+            </a:pPr>
+            <a:r>
+              <a:rPr lang="zh-TW" altLang="en-US" sz="2800" kern="100" dirty="0">
+                <a:latin typeface="+mj-lt"/>
+                <a:ea typeface="新細明體"/>
+                <a:cs typeface="Times New Roman"/>
+              </a:rPr>
+              <a:t>英文問答</a:t>
+            </a:r>
+            <a:r>
+              <a:rPr lang="en-US" altLang="zh-TW" sz="2800" kern="100" dirty="0">
+                <a:latin typeface="+mj-lt"/>
+                <a:ea typeface="新細明體"/>
+                <a:cs typeface="Times New Roman"/>
+              </a:rPr>
+              <a:t>---------------------------</a:t>
+            </a:r>
+          </a:p>
+          <a:p>
+            <a:pPr marL="1051560" lvl="1" indent="-514350">
+              <a:buFont typeface="+mj-lt"/>
+              <a:buAutoNum type="arabicPeriod"/>
+              <a:tabLst>
+                <a:tab pos="3683635" algn="l"/>
+              </a:tabLst>
+            </a:pPr>
+            <a:r>
+              <a:rPr lang="zh-TW" altLang="en-US" sz="2800" kern="100" dirty="0">
+                <a:latin typeface="+mj-lt"/>
+                <a:ea typeface="新細明體"/>
+                <a:cs typeface="Times New Roman"/>
+              </a:rPr>
+              <a:t>魯蛇棋</a:t>
+            </a:r>
+            <a:r>
+              <a:rPr lang="en-US" altLang="zh-TW" sz="2800" kern="100" dirty="0">
+                <a:latin typeface="+mj-lt"/>
+                <a:ea typeface="新細明體"/>
+                <a:cs typeface="Times New Roman"/>
+              </a:rPr>
+              <a:t>------------------------------</a:t>
+            </a:r>
+          </a:p>
+          <a:p>
+            <a:pPr marL="1051560" lvl="1" indent="-514350">
+              <a:buFont typeface="+mj-lt"/>
+              <a:buAutoNum type="arabicPeriod"/>
+              <a:tabLst>
+                <a:tab pos="3683635" algn="l"/>
+              </a:tabLst>
+            </a:pPr>
+            <a:r>
+              <a:rPr lang="zh-TW" altLang="en-US" sz="2800" kern="100" dirty="0">
+                <a:latin typeface="+mj-lt"/>
+                <a:ea typeface="新細明體"/>
+                <a:cs typeface="Times New Roman"/>
+              </a:rPr>
+              <a:t>猜數字</a:t>
+            </a:r>
+            <a:r>
+              <a:rPr lang="en-US" altLang="zh-TW" sz="2800" kern="100" dirty="0">
+                <a:latin typeface="+mj-lt"/>
+                <a:ea typeface="新細明體"/>
+                <a:cs typeface="Times New Roman"/>
+              </a:rPr>
+              <a:t>------------------------------</a:t>
+            </a:r>
+          </a:p>
+          <a:p>
+            <a:pPr marL="1051560" lvl="1" indent="-514350">
+              <a:buFont typeface="+mj-lt"/>
+              <a:buAutoNum type="arabicPeriod"/>
+              <a:tabLst>
+                <a:tab pos="3683635" algn="l"/>
+              </a:tabLst>
+            </a:pPr>
+            <a:r>
+              <a:rPr lang="en-US" altLang="zh-TW" sz="2800" kern="100" dirty="0">
+                <a:latin typeface="+mj-lt"/>
+                <a:ea typeface="新細明體"/>
+                <a:cs typeface="Times New Roman"/>
+              </a:rPr>
+              <a:t>21</a:t>
+            </a:r>
+            <a:r>
+              <a:rPr lang="zh-TW" altLang="en-US" sz="2800" kern="100" dirty="0">
+                <a:latin typeface="+mj-lt"/>
+                <a:ea typeface="新細明體"/>
+                <a:cs typeface="Times New Roman"/>
+              </a:rPr>
+              <a:t>點</a:t>
+            </a:r>
+            <a:r>
+              <a:rPr lang="en-US" altLang="zh-TW" sz="2800" kern="100" dirty="0">
+                <a:latin typeface="+mj-lt"/>
+                <a:ea typeface="新細明體"/>
+                <a:cs typeface="Times New Roman"/>
+              </a:rPr>
+              <a:t>---------------------------------</a:t>
+            </a:r>
+          </a:p>
+          <a:p>
+            <a:pPr marL="1051560" lvl="1" indent="-514350">
+              <a:buFont typeface="+mj-lt"/>
+              <a:buAutoNum type="arabicPeriod"/>
+              <a:tabLst>
+                <a:tab pos="3683635" algn="l"/>
+              </a:tabLst>
+            </a:pPr>
+            <a:endParaRPr lang="zh-TW" altLang="zh-TW" sz="2800" kern="100" dirty="0">
+              <a:latin typeface="+mj-lt"/>
+              <a:ea typeface="新細明體"/>
+              <a:cs typeface="Times New Roman"/>
+            </a:endParaRPr>
+          </a:p>
+          <a:p>
+            <a:pPr lvl="1">
+              <a:buNone/>
+            </a:pPr>
+            <a:endParaRPr lang="en-GB" altLang="zh-TW" dirty="0"/>
           </a:p>
         </p:txBody>
       </p:sp>
@@ -7176,14 +7427,9 @@
           <a:lstStyle/>
           <a:p>
             <a:r>
-              <a:rPr lang="en-US" altLang="zh-TW" b="1" dirty="0" smtClean="0"/>
-              <a:t>Special </a:t>
-            </a:r>
-            <a:r>
-              <a:rPr lang="en-US" altLang="zh-TW" b="1" dirty="0" smtClean="0"/>
-              <a:t>Functions</a:t>
-            </a:r>
-            <a:endParaRPr lang="zh-TW" altLang="en-US" b="1" dirty="0"/>
+              <a:rPr lang="zh-TW" altLang="en-US" dirty="0"/>
+              <a:t>引言</a:t>
+            </a:r>
           </a:p>
         </p:txBody>
       </p:sp>
@@ -7203,80 +7449,370 @@
           <a:lstStyle/>
           <a:p>
             <a:r>
-              <a:rPr lang="en-GB" altLang="zh-TW" dirty="0" err="1" smtClean="0"/>
-              <a:t>Readfile</a:t>
-            </a:r>
-            <a:r>
-              <a:rPr lang="en-GB" altLang="zh-TW" dirty="0" smtClean="0"/>
+              <a:rPr lang="zh-TW" altLang="en-US" dirty="0"/>
+              <a:t>本系統由四個小遊戲組成 </a:t>
+            </a:r>
+            <a:r>
+              <a:rPr lang="en-US" altLang="zh-TW" dirty="0"/>
+              <a:t>,</a:t>
+            </a:r>
+            <a:r>
+              <a:rPr lang="zh-TW" altLang="en-US" dirty="0"/>
+              <a:t>每個小遊戲由各個組員自行創作 </a:t>
+            </a:r>
+            <a:r>
+              <a:rPr lang="en-US" altLang="zh-TW" dirty="0"/>
+              <a:t>,</a:t>
+            </a:r>
+            <a:r>
+              <a:rPr lang="zh-TW" altLang="en-US" dirty="0"/>
+              <a:t>目的是最後合成一個</a:t>
+            </a:r>
+            <a:endParaRPr lang="en-US" altLang="zh-TW" dirty="0"/>
+          </a:p>
+          <a:p>
+            <a:pPr marL="64008" indent="0">
+              <a:buNone/>
+            </a:pPr>
+            <a:r>
+              <a:rPr lang="zh-TW" altLang="en-US" dirty="0"/>
+              <a:t>    大的小遊戲中心 分別是</a:t>
+            </a:r>
+            <a:r>
+              <a:rPr lang="en-US" altLang="zh-TW" dirty="0"/>
               <a:t>:</a:t>
             </a:r>
           </a:p>
           <a:p>
-            <a:pPr lvl="1"/>
-            <a:r>
-              <a:rPr lang="en-GB" altLang="zh-TW" dirty="0" smtClean="0"/>
-              <a:t>Read user profile(scores) from .txt</a:t>
-            </a:r>
-            <a:endParaRPr lang="en-GB" altLang="zh-TW" dirty="0" smtClean="0"/>
-          </a:p>
-          <a:p>
-            <a:pPr>
-              <a:spcAft>
-                <a:spcPts val="0"/>
-              </a:spcAft>
-              <a:tabLst>
-                <a:tab pos="3683635" algn="l"/>
-              </a:tabLst>
-            </a:pPr>
-            <a:r>
-              <a:rPr lang="en-GB" altLang="zh-TW" sz="3200" kern="100" dirty="0" err="1" smtClean="0">
-                <a:latin typeface="+mj-lt"/>
-                <a:ea typeface="新細明體"/>
-                <a:cs typeface="Times New Roman"/>
+            <a:r>
+              <a:rPr lang="zh-TW" altLang="en-US" sz="3200" dirty="0">
+                <a:solidFill>
+                  <a:srgbClr val="FFFF00"/>
+                </a:solidFill>
+                <a:latin typeface="微軟正黑體 Light" pitchFamily="34" charset="-120"/>
+                <a:ea typeface="微軟正黑體 Light" pitchFamily="34" charset="-120"/>
               </a:rPr>
-              <a:t>Savefile</a:t>
-            </a:r>
-            <a:r>
-              <a:rPr lang="en-GB" altLang="zh-TW" sz="3200" kern="100" dirty="0" smtClean="0">
-                <a:latin typeface="+mj-lt"/>
-                <a:ea typeface="新細明體"/>
-                <a:cs typeface="Times New Roman"/>
+              <a:t>張以勒</a:t>
+            </a:r>
+            <a:r>
+              <a:rPr lang="en-US" altLang="zh-TW" sz="3200" dirty="0">
+                <a:solidFill>
+                  <a:srgbClr val="FFFF00"/>
+                </a:solidFill>
+                <a:latin typeface="微軟正黑體 Light" pitchFamily="34" charset="-120"/>
+                <a:ea typeface="微軟正黑體 Light" pitchFamily="34" charset="-120"/>
               </a:rPr>
-              <a:t>:</a:t>
-            </a:r>
-          </a:p>
-          <a:p>
-            <a:pPr lvl="1">
-              <a:tabLst>
-                <a:tab pos="3683635" algn="l"/>
-              </a:tabLst>
-            </a:pPr>
-            <a:r>
-              <a:rPr lang="en-GB" altLang="zh-TW" sz="2800" kern="100" dirty="0" smtClean="0">
-                <a:latin typeface="+mj-lt"/>
-                <a:ea typeface="新細明體"/>
-                <a:cs typeface="Times New Roman"/>
+              <a:t>(</a:t>
+            </a:r>
+            <a:r>
+              <a:rPr lang="zh-TW" altLang="en-US" sz="3200" dirty="0">
+                <a:solidFill>
+                  <a:srgbClr val="FFFF00"/>
+                </a:solidFill>
+                <a:latin typeface="微軟正黑體 Light" pitchFamily="34" charset="-120"/>
+                <a:ea typeface="微軟正黑體 Light" pitchFamily="34" charset="-120"/>
               </a:rPr>
-              <a:t>Save scores to .txt file</a:t>
-            </a:r>
-          </a:p>
-          <a:p>
-            <a:pPr lvl="1">
-              <a:tabLst>
-                <a:tab pos="3683635" algn="l"/>
-              </a:tabLst>
-            </a:pPr>
-            <a:endParaRPr lang="zh-TW" altLang="zh-TW" sz="2800" kern="100" dirty="0" smtClean="0">
-              <a:latin typeface="+mj-lt"/>
-              <a:ea typeface="新細明體"/>
-              <a:cs typeface="Times New Roman"/>
-            </a:endParaRPr>
-          </a:p>
-          <a:p>
-            <a:pPr lvl="1">
-              <a:buNone/>
-            </a:pPr>
-            <a:endParaRPr lang="en-GB" altLang="zh-TW" dirty="0" smtClean="0"/>
+              <a:t>猜數字</a:t>
+            </a:r>
+            <a:r>
+              <a:rPr lang="en-US" altLang="zh-TW" sz="3200" dirty="0">
+                <a:solidFill>
+                  <a:srgbClr val="FFFF00"/>
+                </a:solidFill>
+                <a:latin typeface="微軟正黑體 Light" pitchFamily="34" charset="-120"/>
+                <a:ea typeface="微軟正黑體 Light" pitchFamily="34" charset="-120"/>
+              </a:rPr>
+              <a:t>)</a:t>
+            </a:r>
+          </a:p>
+          <a:p>
+            <a:r>
+              <a:rPr lang="zh-TW" altLang="en-US" sz="3200" dirty="0">
+                <a:solidFill>
+                  <a:srgbClr val="FFFF00"/>
+                </a:solidFill>
+                <a:latin typeface="微軟正黑體 Light" pitchFamily="34" charset="-120"/>
+                <a:ea typeface="微軟正黑體 Light" pitchFamily="34" charset="-120"/>
+              </a:rPr>
+              <a:t>呂肇軒</a:t>
+            </a:r>
+            <a:r>
+              <a:rPr lang="en-US" altLang="zh-TW" sz="3200" dirty="0">
+                <a:solidFill>
+                  <a:srgbClr val="FFFF00"/>
+                </a:solidFill>
+                <a:latin typeface="微軟正黑體 Light" pitchFamily="34" charset="-120"/>
+                <a:ea typeface="微軟正黑體 Light" pitchFamily="34" charset="-120"/>
+              </a:rPr>
+              <a:t>(21</a:t>
+            </a:r>
+            <a:r>
+              <a:rPr lang="zh-TW" altLang="en-US" sz="3200" dirty="0">
+                <a:solidFill>
+                  <a:srgbClr val="FFFF00"/>
+                </a:solidFill>
+                <a:latin typeface="微軟正黑體 Light" pitchFamily="34" charset="-120"/>
+                <a:ea typeface="微軟正黑體 Light" pitchFamily="34" charset="-120"/>
+              </a:rPr>
+              <a:t>點</a:t>
+            </a:r>
+            <a:r>
+              <a:rPr lang="en-US" altLang="zh-TW" sz="3200" dirty="0">
+                <a:solidFill>
+                  <a:srgbClr val="FFFF00"/>
+                </a:solidFill>
+                <a:latin typeface="微軟正黑體 Light" pitchFamily="34" charset="-120"/>
+                <a:ea typeface="微軟正黑體 Light" pitchFamily="34" charset="-120"/>
+              </a:rPr>
+              <a:t>BLACKJACK)</a:t>
+            </a:r>
+          </a:p>
+          <a:p>
+            <a:r>
+              <a:rPr lang="zh-TW" altLang="en-US" sz="3200" dirty="0">
+                <a:solidFill>
+                  <a:srgbClr val="FFFF00"/>
+                </a:solidFill>
+                <a:latin typeface="微軟正黑體 Light" pitchFamily="34" charset="-120"/>
+                <a:ea typeface="微軟正黑體 Light" pitchFamily="34" charset="-120"/>
+              </a:rPr>
+              <a:t>陳傲賢</a:t>
+            </a:r>
+            <a:r>
+              <a:rPr lang="en-US" altLang="zh-TW" sz="3200" dirty="0">
+                <a:solidFill>
+                  <a:srgbClr val="FFFF00"/>
+                </a:solidFill>
+                <a:latin typeface="微軟正黑體 Light" pitchFamily="34" charset="-120"/>
+                <a:ea typeface="微軟正黑體 Light" pitchFamily="34" charset="-120"/>
+              </a:rPr>
+              <a:t>(</a:t>
+            </a:r>
+            <a:r>
+              <a:rPr lang="zh-TW" altLang="en-US" sz="3200" dirty="0">
+                <a:solidFill>
+                  <a:srgbClr val="FFFF00"/>
+                </a:solidFill>
+                <a:latin typeface="微軟正黑體 Light" pitchFamily="34" charset="-120"/>
+                <a:ea typeface="微軟正黑體 Light" pitchFamily="34" charset="-120"/>
+              </a:rPr>
+              <a:t>英文問答題</a:t>
+            </a:r>
+            <a:r>
+              <a:rPr lang="en-US" altLang="zh-TW" sz="3200" dirty="0">
+                <a:solidFill>
+                  <a:srgbClr val="FFFF00"/>
+                </a:solidFill>
+                <a:latin typeface="微軟正黑體 Light" pitchFamily="34" charset="-120"/>
+                <a:ea typeface="微軟正黑體 Light" pitchFamily="34" charset="-120"/>
+              </a:rPr>
+              <a:t>)</a:t>
+            </a:r>
+          </a:p>
+          <a:p>
+            <a:r>
+              <a:rPr lang="zh-TW" altLang="en-US" sz="3200" dirty="0">
+                <a:solidFill>
+                  <a:srgbClr val="FFFF00"/>
+                </a:solidFill>
+                <a:latin typeface="微軟正黑體 Light" pitchFamily="34" charset="-120"/>
+                <a:ea typeface="微軟正黑體 Light" pitchFamily="34" charset="-120"/>
+              </a:rPr>
+              <a:t>韓定鈞</a:t>
+            </a:r>
+            <a:r>
+              <a:rPr lang="en-US" altLang="zh-TW" sz="3200" dirty="0">
+                <a:solidFill>
+                  <a:srgbClr val="FFFF00"/>
+                </a:solidFill>
+                <a:latin typeface="微軟正黑體 Light" pitchFamily="34" charset="-120"/>
+                <a:ea typeface="微軟正黑體 Light" pitchFamily="34" charset="-120"/>
+              </a:rPr>
+              <a:t>(</a:t>
+            </a:r>
+            <a:r>
+              <a:rPr lang="zh-TW" altLang="en-US" sz="3200" dirty="0">
+                <a:solidFill>
+                  <a:srgbClr val="FFFF00"/>
+                </a:solidFill>
+                <a:latin typeface="微軟正黑體 Light" pitchFamily="34" charset="-120"/>
+                <a:ea typeface="微軟正黑體 Light" pitchFamily="34" charset="-120"/>
+              </a:rPr>
+              <a:t>魯蛇棋</a:t>
+            </a:r>
+            <a:r>
+              <a:rPr lang="en-US" altLang="zh-TW" sz="3200" dirty="0">
+                <a:solidFill>
+                  <a:srgbClr val="FFFF00"/>
+                </a:solidFill>
+                <a:latin typeface="微軟正黑體 Light" pitchFamily="34" charset="-120"/>
+                <a:ea typeface="微軟正黑體 Light" pitchFamily="34" charset="-120"/>
+              </a:rPr>
+              <a:t>)</a:t>
+            </a:r>
+          </a:p>
+          <a:p>
+            <a:endParaRPr lang="en-US" altLang="zh-TW" dirty="0"/>
+          </a:p>
+        </p:txBody>
+      </p:sp>
+      <p:sp>
+        <p:nvSpPr>
+          <p:cNvPr id="4" name="箭號: 向下 3"/>
+          <p:cNvSpPr/>
+          <p:nvPr/>
+        </p:nvSpPr>
+        <p:spPr>
+          <a:xfrm rot="2315016">
+            <a:off x="5592398" y="3189739"/>
+            <a:ext cx="360040" cy="360040"/>
+          </a:xfrm>
+          <a:prstGeom prst="downArrow">
+            <a:avLst/>
+          </a:prstGeom>
+        </p:spPr>
+        <p:style>
+          <a:lnRef idx="2">
+            <a:schemeClr val="accent1">
+              <a:shade val="50000"/>
+            </a:schemeClr>
+          </a:lnRef>
+          <a:fillRef idx="1">
+            <a:schemeClr val="accent1"/>
+          </a:fillRef>
+          <a:effectRef idx="0">
+            <a:schemeClr val="accent1"/>
+          </a:effectRef>
+          <a:fontRef idx="minor">
+            <a:schemeClr val="lt1"/>
+          </a:fontRef>
+        </p:style>
+        <p:txBody>
+          <a:bodyPr rtlCol="0" anchor="ctr"/>
+          <a:lstStyle/>
+          <a:p>
+            <a:pPr algn="ctr"/>
+            <a:endParaRPr lang="zh-HK" altLang="en-US"/>
+          </a:p>
+        </p:txBody>
+      </p:sp>
+      <p:sp>
+        <p:nvSpPr>
+          <p:cNvPr id="8" name="箭號: 向下 7"/>
+          <p:cNvSpPr/>
+          <p:nvPr/>
+        </p:nvSpPr>
+        <p:spPr>
+          <a:xfrm rot="2315016">
+            <a:off x="5606227" y="4447455"/>
+            <a:ext cx="360040" cy="360040"/>
+          </a:xfrm>
+          <a:prstGeom prst="downArrow">
+            <a:avLst/>
+          </a:prstGeom>
+        </p:spPr>
+        <p:style>
+          <a:lnRef idx="2">
+            <a:schemeClr val="accent1">
+              <a:shade val="50000"/>
+            </a:schemeClr>
+          </a:lnRef>
+          <a:fillRef idx="1">
+            <a:schemeClr val="accent1"/>
+          </a:fillRef>
+          <a:effectRef idx="0">
+            <a:schemeClr val="accent1"/>
+          </a:effectRef>
+          <a:fontRef idx="minor">
+            <a:schemeClr val="lt1"/>
+          </a:fontRef>
+        </p:style>
+        <p:txBody>
+          <a:bodyPr rtlCol="0" anchor="ctr"/>
+          <a:lstStyle/>
+          <a:p>
+            <a:pPr algn="ctr"/>
+            <a:endParaRPr lang="zh-HK" altLang="en-US"/>
+          </a:p>
+        </p:txBody>
+      </p:sp>
+      <p:sp>
+        <p:nvSpPr>
+          <p:cNvPr id="9" name="箭號: 向下 8"/>
+          <p:cNvSpPr/>
+          <p:nvPr/>
+        </p:nvSpPr>
+        <p:spPr>
+          <a:xfrm rot="2315016">
+            <a:off x="5606228" y="3818597"/>
+            <a:ext cx="360040" cy="360040"/>
+          </a:xfrm>
+          <a:prstGeom prst="downArrow">
+            <a:avLst/>
+          </a:prstGeom>
+        </p:spPr>
+        <p:style>
+          <a:lnRef idx="2">
+            <a:schemeClr val="accent1">
+              <a:shade val="50000"/>
+            </a:schemeClr>
+          </a:lnRef>
+          <a:fillRef idx="1">
+            <a:schemeClr val="accent1"/>
+          </a:fillRef>
+          <a:effectRef idx="0">
+            <a:schemeClr val="accent1"/>
+          </a:effectRef>
+          <a:fontRef idx="minor">
+            <a:schemeClr val="lt1"/>
+          </a:fontRef>
+        </p:style>
+        <p:txBody>
+          <a:bodyPr rtlCol="0" anchor="ctr"/>
+          <a:lstStyle/>
+          <a:p>
+            <a:pPr algn="ctr"/>
+            <a:endParaRPr lang="zh-HK" altLang="en-US"/>
+          </a:p>
+        </p:txBody>
+      </p:sp>
+      <p:sp>
+        <p:nvSpPr>
+          <p:cNvPr id="10" name="箭號: 向下 9"/>
+          <p:cNvSpPr/>
+          <p:nvPr/>
+        </p:nvSpPr>
+        <p:spPr>
+          <a:xfrm rot="2315016">
+            <a:off x="5623987" y="4953439"/>
+            <a:ext cx="360040" cy="360040"/>
+          </a:xfrm>
+          <a:prstGeom prst="downArrow">
+            <a:avLst/>
+          </a:prstGeom>
+        </p:spPr>
+        <p:style>
+          <a:lnRef idx="2">
+            <a:schemeClr val="accent1">
+              <a:shade val="50000"/>
+            </a:schemeClr>
+          </a:lnRef>
+          <a:fillRef idx="1">
+            <a:schemeClr val="accent1"/>
+          </a:fillRef>
+          <a:effectRef idx="0">
+            <a:schemeClr val="accent1"/>
+          </a:effectRef>
+          <a:fontRef idx="minor">
+            <a:schemeClr val="lt1"/>
+          </a:fontRef>
+        </p:style>
+        <p:txBody>
+          <a:bodyPr rtlCol="0" anchor="ctr"/>
+          <a:lstStyle/>
+          <a:p>
+            <a:pPr algn="ctr"/>
+            <a:endParaRPr lang="zh-HK" altLang="en-US"/>
           </a:p>
         </p:txBody>
       </p:sp>
@@ -7320,7 +7856,14 @@
           <a:bodyPr/>
           <a:lstStyle/>
           <a:p>
-            <a:endParaRPr lang="zh-TW" altLang="en-US"/>
+            <a:r>
+              <a:rPr lang="zh-TW" altLang="en-US" sz="4400" kern="100" dirty="0">
+                <a:ea typeface="新細明體"/>
+                <a:cs typeface="Times New Roman"/>
+              </a:rPr>
+              <a:t>流程圖</a:t>
+            </a:r>
+            <a:endParaRPr lang="zh-TW" altLang="en-US" dirty="0"/>
           </a:p>
         </p:txBody>
       </p:sp>
@@ -7360,8 +7903,8 @@
         </p:blipFill>
         <p:spPr bwMode="auto">
           <a:xfrm>
-            <a:off x="251520" y="-25063"/>
-            <a:ext cx="8460432" cy="6883063"/>
+            <a:off x="204180" y="1268760"/>
+            <a:ext cx="8507288" cy="5456614"/>
           </a:xfrm>
           <a:prstGeom prst="rect">
             <a:avLst/>
@@ -7375,60 +7918,11 @@
           </a:ln>
         </p:spPr>
       </p:pic>
-      <p:sp>
-        <p:nvSpPr>
-          <p:cNvPr id="7" name="文字方塊 6"/>
-          <p:cNvSpPr txBox="1"/>
-          <p:nvPr/>
-        </p:nvSpPr>
-        <p:spPr>
-          <a:xfrm>
-            <a:off x="611560" y="764704"/>
-            <a:ext cx="3287054" cy="1569660"/>
-          </a:xfrm>
-          <a:prstGeom prst="rect">
-            <a:avLst/>
-          </a:prstGeom>
-          <a:noFill/>
-        </p:spPr>
-        <p:txBody>
-          <a:bodyPr wrap="square" rtlCol="0">
-            <a:spAutoFit/>
-          </a:bodyPr>
-          <a:lstStyle/>
-          <a:p>
-            <a:r>
-              <a:rPr lang="en-GB" altLang="zh-TW" sz="3200" dirty="0" smtClean="0">
-                <a:solidFill>
-                  <a:schemeClr val="accent6">
-                    <a:lumMod val="50000"/>
-                  </a:schemeClr>
-                </a:solidFill>
-              </a:rPr>
-              <a:t>Flow Chart of the Gaming system</a:t>
-            </a:r>
-            <a:endParaRPr lang="zh-TW" altLang="en-US" sz="3200" dirty="0">
-              <a:solidFill>
-                <a:schemeClr val="accent6">
-                  <a:lumMod val="50000"/>
-                </a:schemeClr>
-              </a:solidFill>
-            </a:endParaRPr>
-          </a:p>
-        </p:txBody>
-      </p:sp>
     </p:spTree>
   </p:cSld>
   <p:clrMapOvr>
     <a:masterClrMapping/>
   </p:clrMapOvr>
-  <p:timing>
-    <p:tnLst>
-      <p:par>
-        <p:cTn id="1" dur="indefinite" restart="never" nodeType="tmRoot"/>
-      </p:par>
-    </p:tnLst>
-  </p:timing>
 </p:sld>
 </file>
 
@@ -7467,8 +7961,11 @@
           <a:lstStyle/>
           <a:p>
             <a:r>
-              <a:rPr lang="en-GB" altLang="zh-TW" dirty="0" smtClean="0"/>
-              <a:t>Screenshot of the menu</a:t>
+              <a:rPr lang="en-US" altLang="zh-TW" sz="4400" kern="100" dirty="0">
+                <a:ea typeface="新細明體"/>
+                <a:cs typeface="Times New Roman"/>
+              </a:rPr>
+              <a:t>Menu</a:t>
             </a:r>
             <a:endParaRPr lang="zh-TW" altLang="en-US" dirty="0"/>
           </a:p>
@@ -7530,13 +8027,6 @@
   <p:clrMapOvr>
     <a:masterClrMapping/>
   </p:clrMapOvr>
-  <p:timing>
-    <p:tnLst>
-      <p:par>
-        <p:cTn id="1" dur="indefinite" restart="never" nodeType="tmRoot"/>
-      </p:par>
-    </p:tnLst>
-  </p:timing>
 </p:sld>
 </file>
 
@@ -7564,7 +8054,7 @@
             <a:spLocks noGrp="1"/>
           </p:cNvSpPr>
           <p:nvPr>
-            <p:ph type="ctrTitle"/>
+            <p:ph type="title"/>
           </p:nvPr>
         </p:nvSpPr>
         <p:spPr/>
@@ -7572,18 +8062,25 @@
           <a:bodyPr/>
           <a:lstStyle/>
           <a:p>
-            <a:endParaRPr lang="zh-TW" altLang="en-US"/>
-          </a:p>
-        </p:txBody>
-      </p:sp>
-      <p:sp>
-        <p:nvSpPr>
-          <p:cNvPr id="3" name="副標題 2"/>
-          <p:cNvSpPr>
-            <a:spLocks noGrp="1"/>
-          </p:cNvSpPr>
-          <p:nvPr>
-            <p:ph type="subTitle" idx="1"/>
+            <a:r>
+              <a:rPr lang="en-US" altLang="zh-TW" sz="4400" kern="100" dirty="0">
+                <a:ea typeface="新細明體"/>
+                <a:cs typeface="Times New Roman"/>
+              </a:rPr>
+              <a:t>Menu</a:t>
+            </a:r>
+            <a:endParaRPr lang="zh-HK" altLang="en-US" dirty="0"/>
+          </a:p>
+        </p:txBody>
+      </p:sp>
+      <p:sp>
+        <p:nvSpPr>
+          <p:cNvPr id="3" name="內容版面配置區 2"/>
+          <p:cNvSpPr>
+            <a:spLocks noGrp="1"/>
+          </p:cNvSpPr>
+          <p:nvPr>
+            <p:ph idx="1"/>
           </p:nvPr>
         </p:nvSpPr>
         <p:spPr/>
@@ -7591,90 +8088,119 @@
           <a:bodyPr/>
           <a:lstStyle/>
           <a:p>
-            <a:endParaRPr lang="zh-TW" altLang="en-US" dirty="0"/>
-          </a:p>
-        </p:txBody>
-      </p:sp>
-      <p:pic>
-        <p:nvPicPr>
-          <p:cNvPr id="2052" name="Picture 4"/>
-          <p:cNvPicPr>
-            <a:picLocks noChangeAspect="1" noChangeArrowheads="1"/>
-          </p:cNvPicPr>
-          <p:nvPr/>
-        </p:nvPicPr>
-        <p:blipFill>
-          <a:blip r:embed="rId2" cstate="print"/>
-          <a:srcRect/>
-          <a:stretch>
-            <a:fillRect/>
-          </a:stretch>
-        </p:blipFill>
-        <p:spPr bwMode="auto">
-          <a:xfrm>
-            <a:off x="179512" y="1412776"/>
-            <a:ext cx="8871726" cy="4737472"/>
-          </a:xfrm>
-          <a:prstGeom prst="rect">
-            <a:avLst/>
-          </a:prstGeom>
-          <a:noFill/>
-          <a:ln w="9525">
-            <a:noFill/>
-            <a:miter lim="800000"/>
-            <a:headEnd/>
-            <a:tailEnd/>
-          </a:ln>
-        </p:spPr>
-      </p:pic>
-      <p:sp>
-        <p:nvSpPr>
-          <p:cNvPr id="7" name="文字方塊 6"/>
-          <p:cNvSpPr txBox="1"/>
-          <p:nvPr/>
-        </p:nvSpPr>
-        <p:spPr>
-          <a:xfrm>
-            <a:off x="1043608" y="260648"/>
-            <a:ext cx="6798656" cy="1077218"/>
-          </a:xfrm>
-          <a:prstGeom prst="rect">
-            <a:avLst/>
-          </a:prstGeom>
-          <a:noFill/>
-        </p:spPr>
-        <p:txBody>
-          <a:bodyPr wrap="none" rtlCol="0">
-            <a:spAutoFit/>
-          </a:bodyPr>
-          <a:lstStyle/>
-          <a:p>
-            <a:r>
-              <a:rPr lang="en-GB" altLang="zh-TW" sz="3200" dirty="0" smtClean="0"/>
-              <a:t>Game one – </a:t>
-            </a:r>
-          </a:p>
-          <a:p>
-            <a:r>
-              <a:rPr lang="en-GB" altLang="zh-TW" sz="3200" dirty="0" smtClean="0"/>
-              <a:t>Riddle, The English spelling game </a:t>
-            </a:r>
-            <a:endParaRPr lang="zh-TW" altLang="en-US" sz="3200" dirty="0"/>
+            <a:r>
+              <a:rPr lang="zh-TW" altLang="en-US" dirty="0"/>
+              <a:t>在主目錄中 </a:t>
+            </a:r>
+            <a:r>
+              <a:rPr lang="en-US" altLang="zh-TW" dirty="0"/>
+              <a:t>,</a:t>
+            </a:r>
+            <a:r>
+              <a:rPr lang="zh-TW" altLang="en-US" dirty="0"/>
+              <a:t>我們採用了計分的</a:t>
+            </a:r>
+            <a:r>
+              <a:rPr lang="en-US" altLang="zh-TW" dirty="0"/>
+              <a:t>FUNTION ,</a:t>
+            </a:r>
+            <a:r>
+              <a:rPr lang="zh-TW" altLang="en-US" dirty="0"/>
+              <a:t>分數可以儲存在一個</a:t>
+            </a:r>
+            <a:r>
+              <a:rPr lang="en-US" altLang="zh-TW" dirty="0"/>
+              <a:t>TXT</a:t>
+            </a:r>
+            <a:r>
+              <a:rPr lang="zh-TW" altLang="en-US" dirty="0"/>
+              <a:t>檔案中 </a:t>
+            </a:r>
+            <a:r>
+              <a:rPr lang="en-US" altLang="zh-TW" dirty="0"/>
+              <a:t>,</a:t>
+            </a:r>
+            <a:r>
+              <a:rPr lang="zh-TW" altLang="en-US" dirty="0"/>
+              <a:t>記錄玩家的分數 </a:t>
+            </a:r>
+            <a:r>
+              <a:rPr lang="en-US" altLang="zh-TW" dirty="0"/>
+              <a:t>,</a:t>
+            </a:r>
+            <a:r>
+              <a:rPr lang="zh-TW" altLang="en-US" dirty="0"/>
+              <a:t>最後應用在各小遊戲當中 </a:t>
+            </a:r>
+            <a:r>
+              <a:rPr lang="en-US" altLang="zh-TW" dirty="0"/>
+              <a:t>.</a:t>
+            </a:r>
+          </a:p>
+          <a:p>
+            <a:endParaRPr lang="en-US" altLang="zh-HK" dirty="0"/>
+          </a:p>
+          <a:p>
+            <a:r>
+              <a:rPr lang="zh-TW" altLang="en-US" dirty="0"/>
+              <a:t>例如</a:t>
+            </a:r>
+            <a:r>
+              <a:rPr lang="en-US" altLang="zh-TW" dirty="0"/>
+              <a:t>:</a:t>
+            </a:r>
+          </a:p>
+          <a:p>
+            <a:r>
+              <a:rPr lang="en-US" altLang="zh-HK" dirty="0"/>
+              <a:t> </a:t>
+            </a:r>
+            <a:r>
+              <a:rPr lang="zh-TW" altLang="en-US" dirty="0"/>
+              <a:t>初時系統給了小明</a:t>
+            </a:r>
+            <a:r>
+              <a:rPr lang="en-US" altLang="zh-TW" dirty="0"/>
+              <a:t>50</a:t>
+            </a:r>
+            <a:r>
+              <a:rPr lang="zh-TW" altLang="en-US" dirty="0"/>
+              <a:t>分 </a:t>
+            </a:r>
+            <a:r>
+              <a:rPr lang="en-US" altLang="zh-TW" dirty="0"/>
+              <a:t>,</a:t>
+            </a:r>
+            <a:r>
+              <a:rPr lang="zh-TW" altLang="en-US" dirty="0"/>
+              <a:t>他就可以拿住</a:t>
+            </a:r>
+            <a:r>
+              <a:rPr lang="en-US" altLang="zh-TW" dirty="0"/>
+              <a:t>50</a:t>
+            </a:r>
+            <a:r>
+              <a:rPr lang="zh-TW" altLang="en-US" dirty="0"/>
+              <a:t>分在其他小遊戲中拿更多的分數或吧分數全都輸掉 </a:t>
+            </a:r>
+            <a:r>
+              <a:rPr lang="en-US" altLang="zh-TW" dirty="0"/>
+              <a:t>.</a:t>
+            </a:r>
+            <a:endParaRPr lang="zh-HK" altLang="en-US" dirty="0"/>
           </a:p>
         </p:txBody>
       </p:sp>
     </p:spTree>
+    <p:extLst>
+      <p:ext uri="{BB962C8B-B14F-4D97-AF65-F5344CB8AC3E}">
+        <p14:creationId xmlns:p14="http://schemas.microsoft.com/office/powerpoint/2010/main" val="3272262731"/>
+      </p:ext>
+    </p:extLst>
   </p:cSld>
   <p:clrMapOvr>
     <a:masterClrMapping/>
   </p:clrMapOvr>
-  <p:timing>
-    <p:tnLst>
-      <p:par>
-        <p:cTn id="1" dur="indefinite" restart="never" nodeType="tmRoot"/>
-      </p:par>
-    </p:tnLst>
-  </p:timing>
 </p:sld>
 </file>
 
@@ -7702,7 +8228,39 @@
             <a:spLocks noGrp="1"/>
           </p:cNvSpPr>
           <p:nvPr>
-            <p:ph type="title"/>
+            <p:ph type="ctrTitle"/>
+          </p:nvPr>
+        </p:nvSpPr>
+        <p:spPr>
+          <a:xfrm>
+            <a:off x="395536" y="188641"/>
+            <a:ext cx="8062912" cy="864096"/>
+          </a:xfrm>
+        </p:spPr>
+        <p:txBody>
+          <a:bodyPr/>
+          <a:lstStyle/>
+          <a:p>
+            <a:pPr algn="l"/>
+            <a:r>
+              <a:rPr lang="zh-TW" altLang="en-US" kern="100" dirty="0">
+                <a:ea typeface="新細明體"/>
+                <a:cs typeface="Times New Roman"/>
+              </a:rPr>
+              <a:t>英文問答</a:t>
+            </a:r>
+            <a:endParaRPr lang="zh-TW" altLang="en-US" dirty="0"/>
+          </a:p>
+        </p:txBody>
+      </p:sp>
+      <p:sp>
+        <p:nvSpPr>
+          <p:cNvPr id="3" name="副標題 2"/>
+          <p:cNvSpPr>
+            <a:spLocks noGrp="1"/>
+          </p:cNvSpPr>
+          <p:nvPr>
+            <p:ph type="subTitle" idx="1"/>
           </p:nvPr>
         </p:nvSpPr>
         <p:spPr/>
@@ -7710,44 +8268,13 @@
           <a:bodyPr/>
           <a:lstStyle/>
           <a:p>
-            <a:r>
-              <a:rPr lang="en-GB" altLang="zh-TW" dirty="0" smtClean="0"/>
-              <a:t>Game Two, “</a:t>
-            </a:r>
-            <a:r>
-              <a:rPr lang="zh-TW" altLang="en-US" dirty="0" smtClean="0"/>
-              <a:t>魯蛇棋</a:t>
-            </a:r>
-            <a:r>
-              <a:rPr lang="en-GB" altLang="zh-TW" dirty="0" smtClean="0"/>
-              <a:t>”</a:t>
-            </a:r>
             <a:endParaRPr lang="zh-TW" altLang="en-US" dirty="0"/>
-          </a:p>
-        </p:txBody>
-      </p:sp>
-      <p:sp>
-        <p:nvSpPr>
-          <p:cNvPr id="3" name="內容版面配置區 2"/>
-          <p:cNvSpPr>
-            <a:spLocks noGrp="1"/>
-          </p:cNvSpPr>
-          <p:nvPr>
-            <p:ph idx="1"/>
-          </p:nvPr>
-        </p:nvSpPr>
-        <p:spPr/>
-        <p:txBody>
-          <a:bodyPr/>
-          <a:lstStyle/>
-          <a:p>
-            <a:endParaRPr lang="zh-TW" altLang="en-US"/>
           </a:p>
         </p:txBody>
       </p:sp>
       <p:pic>
         <p:nvPicPr>
-          <p:cNvPr id="3074" name="Picture 2"/>
+          <p:cNvPr id="2052" name="Picture 4"/>
           <p:cNvPicPr>
             <a:picLocks noChangeAspect="1" noChangeArrowheads="1"/>
           </p:cNvPicPr>
@@ -7762,8 +8289,8 @@
         </p:blipFill>
         <p:spPr bwMode="auto">
           <a:xfrm>
-            <a:off x="323528" y="1772816"/>
-            <a:ext cx="8580862" cy="4561706"/>
+            <a:off x="107504" y="1124744"/>
+            <a:ext cx="8871726" cy="5400600"/>
           </a:xfrm>
           <a:prstGeom prst="rect">
             <a:avLst/>
@@ -7782,13 +8309,6 @@
   <p:clrMapOvr>
     <a:masterClrMapping/>
   </p:clrMapOvr>
-  <p:timing>
-    <p:tnLst>
-      <p:par>
-        <p:cTn id="1" dur="indefinite" restart="never" nodeType="tmRoot"/>
-      </p:par>
-    </p:tnLst>
-  </p:timing>
 </p:sld>
 </file>
 
@@ -7821,86 +8341,155 @@
         </p:nvSpPr>
         <p:spPr/>
         <p:txBody>
+          <a:bodyPr/>
+          <a:lstStyle/>
+          <a:p>
+            <a:r>
+              <a:rPr lang="en-US" altLang="zh-TW" dirty="0" smtClean="0"/>
+              <a:t>Riddle</a:t>
+            </a:r>
+            <a:endParaRPr lang="zh-TW" altLang="en-US" dirty="0"/>
+          </a:p>
+        </p:txBody>
+      </p:sp>
+      <p:sp>
+        <p:nvSpPr>
+          <p:cNvPr id="3" name="內容版面配置區 2"/>
+          <p:cNvSpPr>
+            <a:spLocks noGrp="1"/>
+          </p:cNvSpPr>
+          <p:nvPr>
+            <p:ph idx="1"/>
+          </p:nvPr>
+        </p:nvSpPr>
+        <p:spPr/>
+        <p:txBody>
           <a:bodyPr>
-            <a:normAutofit/>
+            <a:normAutofit fontScale="85000" lnSpcReduction="20000"/>
           </a:bodyPr>
           <a:lstStyle/>
           <a:p>
             <a:r>
-              <a:rPr lang="en-GB" altLang="zh-TW" dirty="0" smtClean="0"/>
-              <a:t>Game 3 – </a:t>
-            </a:r>
-            <a:r>
               <a:rPr lang="zh-TW" altLang="en-US" dirty="0" smtClean="0"/>
-              <a:t>猜數字</a:t>
-            </a:r>
+              <a:t>一個英文遊戲</a:t>
+            </a:r>
+            <a:r>
+              <a:rPr lang="en-US" altLang="zh-TW" dirty="0" smtClean="0"/>
+              <a:t>,</a:t>
+            </a:r>
+            <a:r>
+              <a:rPr lang="zh-TW" altLang="en-US" dirty="0" smtClean="0"/>
+              <a:t>以</a:t>
+            </a:r>
+            <a:r>
+              <a:rPr lang="en-US" altLang="zh-TW" dirty="0" smtClean="0"/>
+              <a:t>question.txt</a:t>
+            </a:r>
+            <a:r>
+              <a:rPr lang="zh-TW" altLang="en-US" dirty="0" smtClean="0"/>
+              <a:t> 和</a:t>
+            </a:r>
+            <a:r>
+              <a:rPr lang="en-US" altLang="zh-TW" dirty="0" smtClean="0"/>
+              <a:t>answer.txt</a:t>
+            </a:r>
+            <a:r>
+              <a:rPr lang="zh-TW" altLang="en-US" dirty="0" smtClean="0"/>
+              <a:t>讀取題目和答案</a:t>
+            </a:r>
+            <a:endParaRPr lang="en-US" altLang="zh-TW" dirty="0" smtClean="0"/>
+          </a:p>
+          <a:p>
+            <a:r>
+              <a:rPr lang="zh-TW" altLang="en-US" dirty="0" smtClean="0"/>
+              <a:t>以</a:t>
+            </a:r>
+            <a:r>
+              <a:rPr lang="en-US" altLang="zh-TW" dirty="0" err="1" smtClean="0"/>
+              <a:t>userans</a:t>
+            </a:r>
+            <a:r>
+              <a:rPr lang="zh-TW" altLang="en-US" dirty="0" smtClean="0"/>
+              <a:t>對比</a:t>
+            </a:r>
+            <a:r>
+              <a:rPr lang="en-US" altLang="zh-TW" dirty="0" smtClean="0"/>
+              <a:t>answer.txt</a:t>
+            </a:r>
+            <a:r>
+              <a:rPr lang="zh-TW" altLang="en-US" dirty="0" smtClean="0"/>
+              <a:t>之正確答案決定玩家答案是否正確</a:t>
+            </a:r>
+            <a:endParaRPr lang="en-US" altLang="zh-TW" dirty="0" smtClean="0"/>
+          </a:p>
+          <a:p>
+            <a:r>
+              <a:rPr lang="zh-TW" altLang="en-US" dirty="0" smtClean="0"/>
+              <a:t>本遊戲輸入的英文會自動轉成小寫</a:t>
+            </a:r>
+            <a:endParaRPr lang="en-US" altLang="zh-TW" dirty="0" smtClean="0"/>
+          </a:p>
+          <a:p>
+            <a:endParaRPr lang="en-US" altLang="zh-TW" dirty="0"/>
+          </a:p>
+          <a:p>
+            <a:r>
+              <a:rPr lang="zh-TW" altLang="en-US" dirty="0" smtClean="0"/>
+              <a:t>如</a:t>
+            </a:r>
+            <a:r>
+              <a:rPr lang="en-US" altLang="zh-TW" dirty="0" smtClean="0"/>
+              <a:t> :</a:t>
+            </a:r>
+          </a:p>
+          <a:p>
+            <a:pPr lvl="2"/>
+            <a:r>
+              <a:rPr lang="en-US" altLang="zh-TW" dirty="0" smtClean="0"/>
+              <a:t>Q:Vegetable(can </a:t>
+            </a:r>
+            <a:r>
+              <a:rPr lang="en-US" altLang="zh-TW" dirty="0"/>
+              <a:t>be fruit) that pulp and skin in red color . </a:t>
+            </a:r>
+            <a:endParaRPr lang="en-US" altLang="zh-TW" dirty="0" smtClean="0"/>
+          </a:p>
+          <a:p>
+            <a:pPr lvl="2"/>
+            <a:r>
+              <a:rPr lang="en-US" altLang="zh-TW" dirty="0" smtClean="0"/>
+              <a:t>A: </a:t>
+            </a:r>
+            <a:r>
+              <a:rPr lang="en-US" altLang="zh-TW" dirty="0"/>
+              <a:t>tomato</a:t>
+            </a:r>
+          </a:p>
+          <a:p>
+            <a:r>
+              <a:rPr lang="en-US" altLang="zh-TW" dirty="0"/>
+              <a:t/>
+            </a:r>
+            <a:br>
+              <a:rPr lang="en-US" altLang="zh-TW" dirty="0"/>
+            </a:br>
+            <a:endParaRPr lang="en-US" altLang="zh-TW" b="1" dirty="0" smtClean="0"/>
+          </a:p>
+          <a:p>
             <a:endParaRPr lang="zh-TW" altLang="en-US" dirty="0"/>
           </a:p>
         </p:txBody>
       </p:sp>
-      <p:sp>
-        <p:nvSpPr>
-          <p:cNvPr id="3" name="內容版面配置區 2"/>
-          <p:cNvSpPr>
-            <a:spLocks noGrp="1"/>
-          </p:cNvSpPr>
-          <p:nvPr>
-            <p:ph idx="1"/>
-          </p:nvPr>
-        </p:nvSpPr>
-        <p:spPr/>
-        <p:txBody>
-          <a:bodyPr/>
-          <a:lstStyle/>
-          <a:p>
-            <a:endParaRPr lang="zh-TW" altLang="en-US"/>
-          </a:p>
-        </p:txBody>
-      </p:sp>
-      <p:pic>
-        <p:nvPicPr>
-          <p:cNvPr id="4098" name="Picture 2"/>
-          <p:cNvPicPr>
-            <a:picLocks noChangeAspect="1" noChangeArrowheads="1"/>
-          </p:cNvPicPr>
-          <p:nvPr/>
-        </p:nvPicPr>
-        <p:blipFill>
-          <a:blip r:embed="rId2" cstate="print"/>
-          <a:srcRect/>
-          <a:stretch>
-            <a:fillRect/>
-          </a:stretch>
-        </p:blipFill>
-        <p:spPr bwMode="auto">
-          <a:xfrm>
-            <a:off x="179512" y="2060848"/>
-            <a:ext cx="8716313" cy="4633714"/>
-          </a:xfrm>
-          <a:prstGeom prst="rect">
-            <a:avLst/>
-          </a:prstGeom>
-          <a:noFill/>
-          <a:ln w="9525">
-            <a:noFill/>
-            <a:miter lim="800000"/>
-            <a:headEnd/>
-            <a:tailEnd/>
-          </a:ln>
-        </p:spPr>
-      </p:pic>
     </p:spTree>
+    <p:extLst>
+      <p:ext uri="{BB962C8B-B14F-4D97-AF65-F5344CB8AC3E}">
+        <p14:creationId xmlns:p14="http://schemas.microsoft.com/office/powerpoint/2010/main" val="2824680230"/>
+      </p:ext>
+    </p:extLst>
   </p:cSld>
   <p:clrMapOvr>
     <a:masterClrMapping/>
   </p:clrMapOvr>
-  <p:timing>
-    <p:tnLst>
-      <p:par>
-        <p:cTn id="1" dur="indefinite" restart="never" nodeType="tmRoot"/>
-      </p:par>
-    </p:tnLst>
-  </p:timing>
 </p:sld>
 </file>
 
@@ -7937,20 +8526,16 @@
           <a:lstStyle/>
           <a:p>
             <a:r>
-              <a:rPr lang="en-GB" altLang="zh-TW" dirty="0" smtClean="0"/>
-              <a:t>Game 4 – </a:t>
-            </a:r>
-            <a:r>
-              <a:rPr lang="en-US" altLang="zh-TW" dirty="0" smtClean="0"/>
-              <a:t>21</a:t>
-            </a:r>
-            <a:r>
-              <a:rPr lang="zh-TW" altLang="en-US" dirty="0" smtClean="0"/>
-              <a:t>點</a:t>
-            </a:r>
-            <a:r>
-              <a:rPr lang="en-GB" altLang="zh-TW" dirty="0" smtClean="0"/>
-              <a:t>(Black Jack)</a:t>
+              <a:rPr lang="en-GB" altLang="zh-TW" dirty="0"/>
+              <a:t>“</a:t>
+            </a:r>
+            <a:r>
+              <a:rPr lang="zh-TW" altLang="en-US" dirty="0"/>
+              <a:t>魯蛇棋</a:t>
+            </a:r>
+            <a:r>
+              <a:rPr lang="en-GB" altLang="zh-TW" dirty="0"/>
+              <a:t>”</a:t>
             </a:r>
             <a:endParaRPr lang="zh-TW" altLang="en-US" dirty="0"/>
           </a:p>
@@ -7977,7 +8562,7 @@
       </p:sp>
       <p:pic>
         <p:nvPicPr>
-          <p:cNvPr id="5122" name="Picture 2"/>
+          <p:cNvPr id="3074" name="Picture 2"/>
           <p:cNvPicPr>
             <a:picLocks noChangeAspect="1" noChangeArrowheads="1"/>
           </p:cNvPicPr>
@@ -7992,8 +8577,8 @@
         </p:blipFill>
         <p:spPr bwMode="auto">
           <a:xfrm>
-            <a:off x="179511" y="1844824"/>
-            <a:ext cx="8851765" cy="4705722"/>
+            <a:off x="323528" y="1772816"/>
+            <a:ext cx="8580862" cy="4561706"/>
           </a:xfrm>
           <a:prstGeom prst="rect">
             <a:avLst/>
@@ -8012,13 +8597,6 @@
   <p:clrMapOvr>
     <a:masterClrMapping/>
   </p:clrMapOvr>
-  <p:timing>
-    <p:tnLst>
-      <p:par>
-        <p:cTn id="1" dur="indefinite" restart="never" nodeType="tmRoot"/>
-      </p:par>
-    </p:tnLst>
-  </p:timing>
 </p:sld>
 </file>
 
